--- a/Documentação/Canvas Fade Solutions.pptx
+++ b/Documentação/Canvas Fade Solutions.pptx
@@ -6,6 +6,7 @@
   </p:sldMasterIdLst>
   <p:sldIdLst>
     <p:sldId id="256" r:id="rId2"/>
+    <p:sldId id="257" r:id="rId3"/>
   </p:sldIdLst>
   <p:sldSz cx="12192000" cy="6858000"/>
   <p:notesSz cx="6858000" cy="9144000"/>
@@ -259,7 +260,7 @@
           <a:p>
             <a:fld id="{F9620A2E-983C-481D-B69F-B5B6ADB7140C}" type="datetimeFigureOut">
               <a:rPr lang="pt-BR" smtClean="0"/>
-              <a:t>25/02/2021</a:t>
+              <a:t>03/03/2021</a:t>
             </a:fld>
             <a:endParaRPr lang="pt-BR"/>
           </a:p>
@@ -457,7 +458,7 @@
           <a:p>
             <a:fld id="{F9620A2E-983C-481D-B69F-B5B6ADB7140C}" type="datetimeFigureOut">
               <a:rPr lang="pt-BR" smtClean="0"/>
-              <a:t>25/02/2021</a:t>
+              <a:t>03/03/2021</a:t>
             </a:fld>
             <a:endParaRPr lang="pt-BR"/>
           </a:p>
@@ -665,7 +666,7 @@
           <a:p>
             <a:fld id="{F9620A2E-983C-481D-B69F-B5B6ADB7140C}" type="datetimeFigureOut">
               <a:rPr lang="pt-BR" smtClean="0"/>
-              <a:t>25/02/2021</a:t>
+              <a:t>03/03/2021</a:t>
             </a:fld>
             <a:endParaRPr lang="pt-BR"/>
           </a:p>
@@ -863,7 +864,7 @@
           <a:p>
             <a:fld id="{F9620A2E-983C-481D-B69F-B5B6ADB7140C}" type="datetimeFigureOut">
               <a:rPr lang="pt-BR" smtClean="0"/>
-              <a:t>25/02/2021</a:t>
+              <a:t>03/03/2021</a:t>
             </a:fld>
             <a:endParaRPr lang="pt-BR"/>
           </a:p>
@@ -1138,7 +1139,7 @@
           <a:p>
             <a:fld id="{F9620A2E-983C-481D-B69F-B5B6ADB7140C}" type="datetimeFigureOut">
               <a:rPr lang="pt-BR" smtClean="0"/>
-              <a:t>25/02/2021</a:t>
+              <a:t>03/03/2021</a:t>
             </a:fld>
             <a:endParaRPr lang="pt-BR"/>
           </a:p>
@@ -1403,7 +1404,7 @@
           <a:p>
             <a:fld id="{F9620A2E-983C-481D-B69F-B5B6ADB7140C}" type="datetimeFigureOut">
               <a:rPr lang="pt-BR" smtClean="0"/>
-              <a:t>25/02/2021</a:t>
+              <a:t>03/03/2021</a:t>
             </a:fld>
             <a:endParaRPr lang="pt-BR"/>
           </a:p>
@@ -1815,7 +1816,7 @@
           <a:p>
             <a:fld id="{F9620A2E-983C-481D-B69F-B5B6ADB7140C}" type="datetimeFigureOut">
               <a:rPr lang="pt-BR" smtClean="0"/>
-              <a:t>25/02/2021</a:t>
+              <a:t>03/03/2021</a:t>
             </a:fld>
             <a:endParaRPr lang="pt-BR"/>
           </a:p>
@@ -1956,7 +1957,7 @@
           <a:p>
             <a:fld id="{F9620A2E-983C-481D-B69F-B5B6ADB7140C}" type="datetimeFigureOut">
               <a:rPr lang="pt-BR" smtClean="0"/>
-              <a:t>25/02/2021</a:t>
+              <a:t>03/03/2021</a:t>
             </a:fld>
             <a:endParaRPr lang="pt-BR"/>
           </a:p>
@@ -2069,7 +2070,7 @@
           <a:p>
             <a:fld id="{F9620A2E-983C-481D-B69F-B5B6ADB7140C}" type="datetimeFigureOut">
               <a:rPr lang="pt-BR" smtClean="0"/>
-              <a:t>25/02/2021</a:t>
+              <a:t>03/03/2021</a:t>
             </a:fld>
             <a:endParaRPr lang="pt-BR"/>
           </a:p>
@@ -2380,7 +2381,7 @@
           <a:p>
             <a:fld id="{F9620A2E-983C-481D-B69F-B5B6ADB7140C}" type="datetimeFigureOut">
               <a:rPr lang="pt-BR" smtClean="0"/>
-              <a:t>25/02/2021</a:t>
+              <a:t>03/03/2021</a:t>
             </a:fld>
             <a:endParaRPr lang="pt-BR"/>
           </a:p>
@@ -2668,7 +2669,7 @@
           <a:p>
             <a:fld id="{F9620A2E-983C-481D-B69F-B5B6ADB7140C}" type="datetimeFigureOut">
               <a:rPr lang="pt-BR" smtClean="0"/>
-              <a:t>25/02/2021</a:t>
+              <a:t>03/03/2021</a:t>
             </a:fld>
             <a:endParaRPr lang="pt-BR"/>
           </a:p>
@@ -2909,7 +2910,7 @@
           <a:p>
             <a:fld id="{F9620A2E-983C-481D-B69F-B5B6ADB7140C}" type="datetimeFigureOut">
               <a:rPr lang="pt-BR" smtClean="0"/>
-              <a:t>25/02/2021</a:t>
+              <a:t>03/03/2021</a:t>
             </a:fld>
             <a:endParaRPr lang="pt-BR"/>
           </a:p>
@@ -4472,6 +4473,1569 @@
 </p:sld>
 </file>
 
+<file path=ppt/slides/slide2.xml><?xml version="1.0" encoding="utf-8"?>
+<p:sld xmlns:a="http://schemas.openxmlformats.org/drawingml/2006/main" xmlns:r="http://schemas.openxmlformats.org/officeDocument/2006/relationships" xmlns:p="http://schemas.openxmlformats.org/presentationml/2006/main">
+  <p:cSld>
+    <p:spTree>
+      <p:nvGrpSpPr>
+        <p:cNvPr id="1" name=""/>
+        <p:cNvGrpSpPr/>
+        <p:nvPr/>
+      </p:nvGrpSpPr>
+      <p:grpSpPr>
+        <a:xfrm>
+          <a:off x="0" y="0"/>
+          <a:ext cx="0" cy="0"/>
+          <a:chOff x="0" y="0"/>
+          <a:chExt cx="0" cy="0"/>
+        </a:xfrm>
+      </p:grpSpPr>
+      <p:pic>
+        <p:nvPicPr>
+          <p:cNvPr id="5" name="Imagem 4" descr="Gráfico&#10;&#10;Descrição gerada automaticamente">
+            <a:extLst>
+              <a:ext uri="{FF2B5EF4-FFF2-40B4-BE49-F238E27FC236}">
+                <a16:creationId xmlns:a16="http://schemas.microsoft.com/office/drawing/2014/main" id="{AC9241A1-CF74-41F5-8E6A-EF0E5F9DA985}"/>
+              </a:ext>
+            </a:extLst>
+          </p:cNvPr>
+          <p:cNvPicPr>
+            <a:picLocks noChangeAspect="1"/>
+          </p:cNvPicPr>
+          <p:nvPr/>
+        </p:nvPicPr>
+        <p:blipFill>
+          <a:blip r:embed="rId2">
+            <a:extLst>
+              <a:ext uri="{28A0092B-C50C-407E-A947-70E740481C1C}">
+                <a14:useLocalDpi xmlns:a14="http://schemas.microsoft.com/office/drawing/2010/main" val="0"/>
+              </a:ext>
+            </a:extLst>
+          </a:blip>
+          <a:stretch>
+            <a:fillRect/>
+          </a:stretch>
+        </p:blipFill>
+        <p:spPr>
+          <a:xfrm>
+            <a:off x="0" y="-148905"/>
+            <a:ext cx="12191999" cy="6981419"/>
+          </a:xfrm>
+          <a:prstGeom prst="rect">
+            <a:avLst/>
+          </a:prstGeom>
+        </p:spPr>
+      </p:pic>
+      <p:sp>
+        <p:nvSpPr>
+          <p:cNvPr id="6" name="Retângulo 5">
+            <a:extLst>
+              <a:ext uri="{FF2B5EF4-FFF2-40B4-BE49-F238E27FC236}">
+                <a16:creationId xmlns:a16="http://schemas.microsoft.com/office/drawing/2014/main" id="{127E7EAB-C1D8-4042-A06B-C7CD86446C33}"/>
+              </a:ext>
+            </a:extLst>
+          </p:cNvPr>
+          <p:cNvSpPr/>
+          <p:nvPr/>
+        </p:nvSpPr>
+        <p:spPr>
+          <a:xfrm>
+            <a:off x="2557352" y="379290"/>
+            <a:ext cx="1276417" cy="526721"/>
+          </a:xfrm>
+          <a:prstGeom prst="rect">
+            <a:avLst/>
+          </a:prstGeom>
+          <a:solidFill>
+            <a:srgbClr val="FF99CC"/>
+          </a:solidFill>
+          <a:ln>
+            <a:noFill/>
+          </a:ln>
+          <a:effectLst>
+            <a:outerShdw blurRad="25400" dist="38100" dir="5400000" algn="t" rotWithShape="0">
+              <a:schemeClr val="bg1">
+                <a:lumMod val="85000"/>
+                <a:alpha val="40000"/>
+              </a:schemeClr>
+            </a:outerShdw>
+          </a:effectLst>
+        </p:spPr>
+        <p:style>
+          <a:lnRef idx="2">
+            <a:schemeClr val="accent1">
+              <a:shade val="50000"/>
+            </a:schemeClr>
+          </a:lnRef>
+          <a:fillRef idx="1">
+            <a:schemeClr val="accent1"/>
+          </a:fillRef>
+          <a:effectRef idx="0">
+            <a:schemeClr val="accent1"/>
+          </a:effectRef>
+          <a:fontRef idx="minor">
+            <a:schemeClr val="lt1"/>
+          </a:fontRef>
+        </p:style>
+        <p:txBody>
+          <a:bodyPr rtlCol="0" anchor="ctr"/>
+          <a:lstStyle/>
+          <a:p>
+            <a:pPr algn="ctr"/>
+            <a:r>
+              <a:rPr lang="pt-BR" sz="1200" dirty="0">
+                <a:solidFill>
+                  <a:schemeClr val="tx1"/>
+                </a:solidFill>
+                <a:latin typeface="MV Boli" panose="02000500030200090000" pitchFamily="2" charset="0"/>
+                <a:cs typeface="MV Boli" panose="02000500030200090000" pitchFamily="2" charset="0"/>
+              </a:rPr>
+              <a:t>Monitorar maquinas</a:t>
+            </a:r>
+          </a:p>
+        </p:txBody>
+      </p:sp>
+      <p:sp>
+        <p:nvSpPr>
+          <p:cNvPr id="7" name="Retângulo 6">
+            <a:extLst>
+              <a:ext uri="{FF2B5EF4-FFF2-40B4-BE49-F238E27FC236}">
+                <a16:creationId xmlns:a16="http://schemas.microsoft.com/office/drawing/2014/main" id="{28DBE315-90AC-4D2B-AF92-68500A23FDDA}"/>
+              </a:ext>
+            </a:extLst>
+          </p:cNvPr>
+          <p:cNvSpPr/>
+          <p:nvPr/>
+        </p:nvSpPr>
+        <p:spPr>
+          <a:xfrm>
+            <a:off x="2557352" y="3039851"/>
+            <a:ext cx="1930758" cy="526721"/>
+          </a:xfrm>
+          <a:prstGeom prst="rect">
+            <a:avLst/>
+          </a:prstGeom>
+          <a:solidFill>
+            <a:srgbClr val="99FF99"/>
+          </a:solidFill>
+          <a:ln w="3175">
+            <a:solidFill>
+              <a:schemeClr val="bg1">
+                <a:lumMod val="85000"/>
+              </a:schemeClr>
+            </a:solidFill>
+          </a:ln>
+          <a:effectLst>
+            <a:outerShdw blurRad="25400" dist="38100" dir="5400000" algn="t" rotWithShape="0">
+              <a:schemeClr val="bg1">
+                <a:lumMod val="85000"/>
+                <a:alpha val="40000"/>
+              </a:schemeClr>
+            </a:outerShdw>
+          </a:effectLst>
+        </p:spPr>
+        <p:style>
+          <a:lnRef idx="2">
+            <a:schemeClr val="accent1">
+              <a:shade val="50000"/>
+            </a:schemeClr>
+          </a:lnRef>
+          <a:fillRef idx="1">
+            <a:schemeClr val="accent1"/>
+          </a:fillRef>
+          <a:effectRef idx="0">
+            <a:schemeClr val="accent1"/>
+          </a:effectRef>
+          <a:fontRef idx="minor">
+            <a:schemeClr val="lt1"/>
+          </a:fontRef>
+        </p:style>
+        <p:txBody>
+          <a:bodyPr rtlCol="0" anchor="ctr"/>
+          <a:lstStyle/>
+          <a:p>
+            <a:pPr algn="ctr"/>
+            <a:r>
+              <a:rPr lang="pt-BR" sz="1200" dirty="0">
+                <a:solidFill>
+                  <a:schemeClr val="tx1"/>
+                </a:solidFill>
+                <a:latin typeface="MV Boli" panose="02000500030200090000" pitchFamily="2" charset="0"/>
+                <a:cs typeface="MV Boli" panose="02000500030200090000" pitchFamily="2" charset="0"/>
+              </a:rPr>
+              <a:t>Sistema para monitorar maquinas</a:t>
+            </a:r>
+          </a:p>
+        </p:txBody>
+      </p:sp>
+      <p:sp>
+        <p:nvSpPr>
+          <p:cNvPr id="9" name="Retângulo 8">
+            <a:extLst>
+              <a:ext uri="{FF2B5EF4-FFF2-40B4-BE49-F238E27FC236}">
+                <a16:creationId xmlns:a16="http://schemas.microsoft.com/office/drawing/2014/main" id="{A27ADF41-8161-4A53-AA44-9439C9140EB5}"/>
+              </a:ext>
+            </a:extLst>
+          </p:cNvPr>
+          <p:cNvSpPr/>
+          <p:nvPr/>
+        </p:nvSpPr>
+        <p:spPr>
+          <a:xfrm>
+            <a:off x="260058" y="484247"/>
+            <a:ext cx="1472912" cy="612616"/>
+          </a:xfrm>
+          <a:prstGeom prst="rect">
+            <a:avLst/>
+          </a:prstGeom>
+          <a:solidFill>
+            <a:srgbClr val="FFFF99"/>
+          </a:solidFill>
+          <a:ln>
+            <a:noFill/>
+          </a:ln>
+          <a:effectLst>
+            <a:outerShdw blurRad="25400" dist="38100" dir="5400000" algn="t" rotWithShape="0">
+              <a:schemeClr val="bg1">
+                <a:lumMod val="85000"/>
+                <a:alpha val="40000"/>
+              </a:schemeClr>
+            </a:outerShdw>
+          </a:effectLst>
+        </p:spPr>
+        <p:style>
+          <a:lnRef idx="2">
+            <a:schemeClr val="accent1">
+              <a:shade val="50000"/>
+            </a:schemeClr>
+          </a:lnRef>
+          <a:fillRef idx="1">
+            <a:schemeClr val="accent1"/>
+          </a:fillRef>
+          <a:effectRef idx="0">
+            <a:schemeClr val="accent1"/>
+          </a:effectRef>
+          <a:fontRef idx="minor">
+            <a:schemeClr val="lt1"/>
+          </a:fontRef>
+        </p:style>
+        <p:txBody>
+          <a:bodyPr rtlCol="0" anchor="ctr"/>
+          <a:lstStyle/>
+          <a:p>
+            <a:pPr algn="ctr"/>
+            <a:r>
+              <a:rPr lang="pt-BR" sz="1200" dirty="0">
+                <a:solidFill>
+                  <a:schemeClr val="tx1"/>
+                </a:solidFill>
+                <a:latin typeface="MV Boli" panose="02000500030200090000" pitchFamily="2" charset="0"/>
+                <a:cs typeface="MV Boli" panose="02000500030200090000" pitchFamily="2" charset="0"/>
+              </a:rPr>
+              <a:t>Redes de Fast-food</a:t>
+            </a:r>
+          </a:p>
+        </p:txBody>
+      </p:sp>
+      <p:sp>
+        <p:nvSpPr>
+          <p:cNvPr id="10" name="Retângulo 9">
+            <a:extLst>
+              <a:ext uri="{FF2B5EF4-FFF2-40B4-BE49-F238E27FC236}">
+                <a16:creationId xmlns:a16="http://schemas.microsoft.com/office/drawing/2014/main" id="{405EBFAC-A0B3-4BEE-B8F7-088FD6A51A7C}"/>
+              </a:ext>
+            </a:extLst>
+          </p:cNvPr>
+          <p:cNvSpPr/>
+          <p:nvPr/>
+        </p:nvSpPr>
+        <p:spPr>
+          <a:xfrm>
+            <a:off x="5293075" y="379290"/>
+            <a:ext cx="1472912" cy="717573"/>
+          </a:xfrm>
+          <a:prstGeom prst="rect">
+            <a:avLst/>
+          </a:prstGeom>
+          <a:solidFill>
+            <a:srgbClr val="FFC000"/>
+          </a:solidFill>
+          <a:ln>
+            <a:noFill/>
+          </a:ln>
+          <a:effectLst>
+            <a:outerShdw blurRad="25400" dist="38100" dir="5400000" algn="t" rotWithShape="0">
+              <a:schemeClr val="bg1">
+                <a:lumMod val="85000"/>
+                <a:alpha val="40000"/>
+              </a:schemeClr>
+            </a:outerShdw>
+          </a:effectLst>
+        </p:spPr>
+        <p:style>
+          <a:lnRef idx="2">
+            <a:schemeClr val="accent1">
+              <a:shade val="50000"/>
+            </a:schemeClr>
+          </a:lnRef>
+          <a:fillRef idx="1">
+            <a:schemeClr val="accent1"/>
+          </a:fillRef>
+          <a:effectRef idx="0">
+            <a:schemeClr val="accent1"/>
+          </a:effectRef>
+          <a:fontRef idx="minor">
+            <a:schemeClr val="lt1"/>
+          </a:fontRef>
+        </p:style>
+        <p:txBody>
+          <a:bodyPr rtlCol="0" anchor="ctr"/>
+          <a:lstStyle/>
+          <a:p>
+            <a:pPr algn="ctr" defTabSz="1149969"/>
+            <a:r>
+              <a:rPr lang="pt-BR" sz="1200" dirty="0">
+                <a:solidFill>
+                  <a:schemeClr val="tx1"/>
+                </a:solidFill>
+                <a:latin typeface="MV Boli" panose="02000500030200090000" pitchFamily="2" charset="0"/>
+                <a:cs typeface="MV Boli" panose="02000500030200090000" pitchFamily="2" charset="0"/>
+              </a:rPr>
+              <a:t>Experiencia do cliente</a:t>
+            </a:r>
+          </a:p>
+        </p:txBody>
+      </p:sp>
+      <p:sp>
+        <p:nvSpPr>
+          <p:cNvPr id="11" name="Retângulo 10">
+            <a:extLst>
+              <a:ext uri="{FF2B5EF4-FFF2-40B4-BE49-F238E27FC236}">
+                <a16:creationId xmlns:a16="http://schemas.microsoft.com/office/drawing/2014/main" id="{D2B78805-1915-492B-B038-7A2A10808C7B}"/>
+              </a:ext>
+            </a:extLst>
+          </p:cNvPr>
+          <p:cNvSpPr/>
+          <p:nvPr/>
+        </p:nvSpPr>
+        <p:spPr>
+          <a:xfrm>
+            <a:off x="5293075" y="2320806"/>
+            <a:ext cx="1472912" cy="717573"/>
+          </a:xfrm>
+          <a:prstGeom prst="rect">
+            <a:avLst/>
+          </a:prstGeom>
+          <a:solidFill>
+            <a:srgbClr val="FFC000"/>
+          </a:solidFill>
+          <a:ln>
+            <a:noFill/>
+          </a:ln>
+          <a:effectLst>
+            <a:outerShdw blurRad="25400" dist="38100" dir="5400000" algn="t" rotWithShape="0">
+              <a:schemeClr val="bg1">
+                <a:lumMod val="85000"/>
+                <a:alpha val="40000"/>
+              </a:schemeClr>
+            </a:outerShdw>
+          </a:effectLst>
+        </p:spPr>
+        <p:style>
+          <a:lnRef idx="2">
+            <a:schemeClr val="accent1">
+              <a:shade val="50000"/>
+            </a:schemeClr>
+          </a:lnRef>
+          <a:fillRef idx="1">
+            <a:schemeClr val="accent1"/>
+          </a:fillRef>
+          <a:effectRef idx="0">
+            <a:schemeClr val="accent1"/>
+          </a:effectRef>
+          <a:fontRef idx="minor">
+            <a:schemeClr val="lt1"/>
+          </a:fontRef>
+        </p:style>
+        <p:txBody>
+          <a:bodyPr rtlCol="0" anchor="ctr"/>
+          <a:lstStyle/>
+          <a:p>
+            <a:pPr algn="ctr" defTabSz="1149969"/>
+            <a:r>
+              <a:rPr lang="pt-BR" sz="1200" dirty="0">
+                <a:solidFill>
+                  <a:schemeClr val="tx1"/>
+                </a:solidFill>
+                <a:latin typeface="MV Boli" panose="02000500030200090000" pitchFamily="2" charset="0"/>
+                <a:cs typeface="MV Boli" panose="02000500030200090000" pitchFamily="2" charset="0"/>
+              </a:rPr>
+              <a:t>Site flexível</a:t>
+            </a:r>
+          </a:p>
+        </p:txBody>
+      </p:sp>
+      <p:sp>
+        <p:nvSpPr>
+          <p:cNvPr id="12" name="Retângulo 11">
+            <a:extLst>
+              <a:ext uri="{FF2B5EF4-FFF2-40B4-BE49-F238E27FC236}">
+                <a16:creationId xmlns:a16="http://schemas.microsoft.com/office/drawing/2014/main" id="{65B025F6-2017-450D-AEB5-FA3375F4F136}"/>
+              </a:ext>
+            </a:extLst>
+          </p:cNvPr>
+          <p:cNvSpPr/>
+          <p:nvPr/>
+        </p:nvSpPr>
+        <p:spPr>
+          <a:xfrm>
+            <a:off x="5359543" y="1359017"/>
+            <a:ext cx="1578152" cy="656125"/>
+          </a:xfrm>
+          <a:prstGeom prst="rect">
+            <a:avLst/>
+          </a:prstGeom>
+          <a:solidFill>
+            <a:srgbClr val="FFFF99"/>
+          </a:solidFill>
+          <a:ln>
+            <a:noFill/>
+          </a:ln>
+          <a:effectLst>
+            <a:outerShdw blurRad="25400" dist="38100" dir="5400000" algn="t" rotWithShape="0">
+              <a:schemeClr val="bg1">
+                <a:lumMod val="85000"/>
+                <a:alpha val="40000"/>
+              </a:schemeClr>
+            </a:outerShdw>
+          </a:effectLst>
+        </p:spPr>
+        <p:style>
+          <a:lnRef idx="2">
+            <a:schemeClr val="accent1">
+              <a:shade val="50000"/>
+            </a:schemeClr>
+          </a:lnRef>
+          <a:fillRef idx="1">
+            <a:schemeClr val="accent1"/>
+          </a:fillRef>
+          <a:effectRef idx="0">
+            <a:schemeClr val="accent1"/>
+          </a:effectRef>
+          <a:fontRef idx="minor">
+            <a:schemeClr val="lt1"/>
+          </a:fontRef>
+        </p:style>
+        <p:txBody>
+          <a:bodyPr rtlCol="0" anchor="ctr"/>
+          <a:lstStyle/>
+          <a:p>
+            <a:pPr algn="ctr" defTabSz="1149969"/>
+            <a:r>
+              <a:rPr lang="pt-BR" sz="1200" dirty="0">
+                <a:solidFill>
+                  <a:schemeClr val="tx1"/>
+                </a:solidFill>
+                <a:latin typeface="MV Boli" panose="02000500030200090000" pitchFamily="2" charset="0"/>
+                <a:cs typeface="MV Boli" panose="02000500030200090000" pitchFamily="2" charset="0"/>
+              </a:rPr>
+              <a:t>Benefícios com as parcerias</a:t>
+            </a:r>
+          </a:p>
+        </p:txBody>
+      </p:sp>
+      <p:sp>
+        <p:nvSpPr>
+          <p:cNvPr id="13" name="Retângulo 12">
+            <a:extLst>
+              <a:ext uri="{FF2B5EF4-FFF2-40B4-BE49-F238E27FC236}">
+                <a16:creationId xmlns:a16="http://schemas.microsoft.com/office/drawing/2014/main" id="{B45C2285-03DD-4AB8-BBDC-2D3AE87030EF}"/>
+              </a:ext>
+            </a:extLst>
+          </p:cNvPr>
+          <p:cNvSpPr/>
+          <p:nvPr/>
+        </p:nvSpPr>
+        <p:spPr>
+          <a:xfrm>
+            <a:off x="7374676" y="3039851"/>
+            <a:ext cx="1333096" cy="389150"/>
+          </a:xfrm>
+          <a:prstGeom prst="rect">
+            <a:avLst/>
+          </a:prstGeom>
+          <a:solidFill>
+            <a:srgbClr val="99FF99"/>
+          </a:solidFill>
+          <a:ln w="3175">
+            <a:solidFill>
+              <a:schemeClr val="bg1">
+                <a:lumMod val="85000"/>
+              </a:schemeClr>
+            </a:solidFill>
+          </a:ln>
+          <a:effectLst>
+            <a:outerShdw blurRad="25400" dist="38100" dir="5400000" algn="t" rotWithShape="0">
+              <a:schemeClr val="bg1">
+                <a:lumMod val="85000"/>
+                <a:alpha val="40000"/>
+              </a:schemeClr>
+            </a:outerShdw>
+          </a:effectLst>
+        </p:spPr>
+        <p:style>
+          <a:lnRef idx="2">
+            <a:schemeClr val="accent1">
+              <a:shade val="50000"/>
+            </a:schemeClr>
+          </a:lnRef>
+          <a:fillRef idx="1">
+            <a:schemeClr val="accent1"/>
+          </a:fillRef>
+          <a:effectRef idx="0">
+            <a:schemeClr val="accent1"/>
+          </a:effectRef>
+          <a:fontRef idx="minor">
+            <a:schemeClr val="lt1"/>
+          </a:fontRef>
+        </p:style>
+        <p:txBody>
+          <a:bodyPr rtlCol="0" anchor="ctr"/>
+          <a:lstStyle/>
+          <a:p>
+            <a:pPr algn="ctr"/>
+            <a:r>
+              <a:rPr lang="pt-BR" sz="1200" dirty="0">
+                <a:solidFill>
+                  <a:schemeClr val="tx1"/>
+                </a:solidFill>
+                <a:latin typeface="MV Boli" panose="02000500030200090000" pitchFamily="2" charset="0"/>
+                <a:cs typeface="MV Boli" panose="02000500030200090000" pitchFamily="2" charset="0"/>
+              </a:rPr>
+              <a:t>Boca a Boca</a:t>
+            </a:r>
+          </a:p>
+        </p:txBody>
+      </p:sp>
+      <p:sp>
+        <p:nvSpPr>
+          <p:cNvPr id="14" name="Retângulo 13">
+            <a:extLst>
+              <a:ext uri="{FF2B5EF4-FFF2-40B4-BE49-F238E27FC236}">
+                <a16:creationId xmlns:a16="http://schemas.microsoft.com/office/drawing/2014/main" id="{B01D6D6A-43CF-455C-8BB2-2CCEADCC6ECA}"/>
+              </a:ext>
+            </a:extLst>
+          </p:cNvPr>
+          <p:cNvSpPr/>
+          <p:nvPr/>
+        </p:nvSpPr>
+        <p:spPr>
+          <a:xfrm>
+            <a:off x="7374676" y="3685952"/>
+            <a:ext cx="1333096" cy="389150"/>
+          </a:xfrm>
+          <a:prstGeom prst="rect">
+            <a:avLst/>
+          </a:prstGeom>
+          <a:solidFill>
+            <a:srgbClr val="FF99CC"/>
+          </a:solidFill>
+          <a:ln>
+            <a:noFill/>
+          </a:ln>
+          <a:effectLst>
+            <a:outerShdw blurRad="25400" dist="38100" dir="5400000" algn="t" rotWithShape="0">
+              <a:schemeClr val="bg1">
+                <a:lumMod val="85000"/>
+                <a:alpha val="40000"/>
+              </a:schemeClr>
+            </a:outerShdw>
+          </a:effectLst>
+        </p:spPr>
+        <p:style>
+          <a:lnRef idx="2">
+            <a:schemeClr val="accent1">
+              <a:shade val="50000"/>
+            </a:schemeClr>
+          </a:lnRef>
+          <a:fillRef idx="1">
+            <a:schemeClr val="accent1"/>
+          </a:fillRef>
+          <a:effectRef idx="0">
+            <a:schemeClr val="accent1"/>
+          </a:effectRef>
+          <a:fontRef idx="minor">
+            <a:schemeClr val="lt1"/>
+          </a:fontRef>
+        </p:style>
+        <p:txBody>
+          <a:bodyPr rtlCol="0" anchor="ctr"/>
+          <a:lstStyle/>
+          <a:p>
+            <a:pPr algn="ctr" defTabSz="1149969"/>
+            <a:r>
+              <a:rPr lang="pt-BR" sz="1200" dirty="0">
+                <a:solidFill>
+                  <a:schemeClr val="tx1"/>
+                </a:solidFill>
+                <a:latin typeface="MV Boli" panose="02000500030200090000" pitchFamily="2" charset="0"/>
+                <a:cs typeface="MV Boli" panose="02000500030200090000" pitchFamily="2" charset="0"/>
+              </a:rPr>
+              <a:t>Redes</a:t>
+            </a:r>
+            <a:r>
+              <a:rPr lang="pt-BR" sz="1544" dirty="0">
+                <a:solidFill>
+                  <a:schemeClr val="tx1"/>
+                </a:solidFill>
+                <a:latin typeface="MV Boli" panose="02000500030200090000" pitchFamily="2" charset="0"/>
+                <a:cs typeface="MV Boli" panose="02000500030200090000" pitchFamily="2" charset="0"/>
+              </a:rPr>
+              <a:t> </a:t>
+            </a:r>
+            <a:r>
+              <a:rPr lang="pt-BR" sz="1200" dirty="0">
+                <a:solidFill>
+                  <a:schemeClr val="tx1"/>
+                </a:solidFill>
+                <a:latin typeface="MV Boli" panose="02000500030200090000" pitchFamily="2" charset="0"/>
+                <a:cs typeface="MV Boli" panose="02000500030200090000" pitchFamily="2" charset="0"/>
+              </a:rPr>
+              <a:t>sociais</a:t>
+            </a:r>
+          </a:p>
+        </p:txBody>
+      </p:sp>
+      <p:sp>
+        <p:nvSpPr>
+          <p:cNvPr id="15" name="Retângulo 14">
+            <a:extLst>
+              <a:ext uri="{FF2B5EF4-FFF2-40B4-BE49-F238E27FC236}">
+                <a16:creationId xmlns:a16="http://schemas.microsoft.com/office/drawing/2014/main" id="{8EFDD379-FA58-436E-AF81-800B3F628DD1}"/>
+              </a:ext>
+            </a:extLst>
+          </p:cNvPr>
+          <p:cNvSpPr/>
+          <p:nvPr/>
+        </p:nvSpPr>
+        <p:spPr>
+          <a:xfrm>
+            <a:off x="7374676" y="4332053"/>
+            <a:ext cx="1752546" cy="389150"/>
+          </a:xfrm>
+          <a:prstGeom prst="rect">
+            <a:avLst/>
+          </a:prstGeom>
+          <a:solidFill>
+            <a:srgbClr val="99FF99"/>
+          </a:solidFill>
+          <a:ln w="3175">
+            <a:solidFill>
+              <a:schemeClr val="bg1">
+                <a:lumMod val="85000"/>
+              </a:schemeClr>
+            </a:solidFill>
+          </a:ln>
+          <a:effectLst>
+            <a:outerShdw blurRad="25400" dist="38100" dir="5400000" algn="t" rotWithShape="0">
+              <a:schemeClr val="bg1">
+                <a:lumMod val="85000"/>
+                <a:alpha val="40000"/>
+              </a:schemeClr>
+            </a:outerShdw>
+          </a:effectLst>
+        </p:spPr>
+        <p:style>
+          <a:lnRef idx="2">
+            <a:schemeClr val="accent1">
+              <a:shade val="50000"/>
+            </a:schemeClr>
+          </a:lnRef>
+          <a:fillRef idx="1">
+            <a:schemeClr val="accent1"/>
+          </a:fillRef>
+          <a:effectRef idx="0">
+            <a:schemeClr val="accent1"/>
+          </a:effectRef>
+          <a:fontRef idx="minor">
+            <a:schemeClr val="lt1"/>
+          </a:fontRef>
+        </p:style>
+        <p:txBody>
+          <a:bodyPr rtlCol="0" anchor="ctr"/>
+          <a:lstStyle/>
+          <a:p>
+            <a:pPr algn="ctr"/>
+            <a:r>
+              <a:rPr lang="pt-BR" sz="1200" dirty="0">
+                <a:solidFill>
+                  <a:schemeClr val="tx1"/>
+                </a:solidFill>
+                <a:latin typeface="MV Boli" panose="02000500030200090000" pitchFamily="2" charset="0"/>
+                <a:cs typeface="MV Boli" panose="02000500030200090000" pitchFamily="2" charset="0"/>
+              </a:rPr>
+              <a:t>Anúncios/Propaganda </a:t>
+            </a:r>
+          </a:p>
+        </p:txBody>
+      </p:sp>
+      <p:sp>
+        <p:nvSpPr>
+          <p:cNvPr id="16" name="Retângulo 15">
+            <a:extLst>
+              <a:ext uri="{FF2B5EF4-FFF2-40B4-BE49-F238E27FC236}">
+                <a16:creationId xmlns:a16="http://schemas.microsoft.com/office/drawing/2014/main" id="{A6B8B461-1DBD-423B-94B5-582C261EA68F}"/>
+              </a:ext>
+            </a:extLst>
+          </p:cNvPr>
+          <p:cNvSpPr/>
+          <p:nvPr/>
+        </p:nvSpPr>
+        <p:spPr>
+          <a:xfrm>
+            <a:off x="6288678" y="5624255"/>
+            <a:ext cx="1752546" cy="389150"/>
+          </a:xfrm>
+          <a:prstGeom prst="rect">
+            <a:avLst/>
+          </a:prstGeom>
+          <a:solidFill>
+            <a:srgbClr val="99FF99"/>
+          </a:solidFill>
+          <a:ln w="3175">
+            <a:solidFill>
+              <a:schemeClr val="bg1">
+                <a:lumMod val="85000"/>
+              </a:schemeClr>
+            </a:solidFill>
+          </a:ln>
+          <a:effectLst>
+            <a:outerShdw blurRad="25400" dist="38100" dir="5400000" algn="t" rotWithShape="0">
+              <a:schemeClr val="bg1">
+                <a:lumMod val="85000"/>
+                <a:alpha val="40000"/>
+              </a:schemeClr>
+            </a:outerShdw>
+          </a:effectLst>
+        </p:spPr>
+        <p:style>
+          <a:lnRef idx="2">
+            <a:schemeClr val="accent1">
+              <a:shade val="50000"/>
+            </a:schemeClr>
+          </a:lnRef>
+          <a:fillRef idx="1">
+            <a:schemeClr val="accent1"/>
+          </a:fillRef>
+          <a:effectRef idx="0">
+            <a:schemeClr val="accent1"/>
+          </a:effectRef>
+          <a:fontRef idx="minor">
+            <a:schemeClr val="lt1"/>
+          </a:fontRef>
+        </p:style>
+        <p:txBody>
+          <a:bodyPr rtlCol="0" anchor="ctr"/>
+          <a:lstStyle/>
+          <a:p>
+            <a:pPr algn="ctr"/>
+            <a:r>
+              <a:rPr lang="pt-BR" sz="1200" dirty="0">
+                <a:solidFill>
+                  <a:schemeClr val="tx1"/>
+                </a:solidFill>
+                <a:latin typeface="MV Boli" panose="02000500030200090000" pitchFamily="2" charset="0"/>
+                <a:cs typeface="MV Boli" panose="02000500030200090000" pitchFamily="2" charset="0"/>
+              </a:rPr>
+              <a:t>Anúncios/Propaganda </a:t>
+            </a:r>
+          </a:p>
+        </p:txBody>
+      </p:sp>
+      <p:sp>
+        <p:nvSpPr>
+          <p:cNvPr id="17" name="Retângulo 16">
+            <a:extLst>
+              <a:ext uri="{FF2B5EF4-FFF2-40B4-BE49-F238E27FC236}">
+                <a16:creationId xmlns:a16="http://schemas.microsoft.com/office/drawing/2014/main" id="{6ADC8878-77A9-45F5-AA71-568F0B4A3153}"/>
+              </a:ext>
+            </a:extLst>
+          </p:cNvPr>
+          <p:cNvSpPr/>
+          <p:nvPr/>
+        </p:nvSpPr>
+        <p:spPr>
+          <a:xfrm>
+            <a:off x="6288678" y="6132352"/>
+            <a:ext cx="1605362" cy="607228"/>
+          </a:xfrm>
+          <a:prstGeom prst="rect">
+            <a:avLst/>
+          </a:prstGeom>
+          <a:solidFill>
+            <a:srgbClr val="FFFF99"/>
+          </a:solidFill>
+          <a:ln>
+            <a:noFill/>
+          </a:ln>
+          <a:effectLst>
+            <a:outerShdw blurRad="25400" dist="38100" dir="5400000" algn="t" rotWithShape="0">
+              <a:schemeClr val="bg1">
+                <a:lumMod val="85000"/>
+                <a:alpha val="40000"/>
+              </a:schemeClr>
+            </a:outerShdw>
+          </a:effectLst>
+        </p:spPr>
+        <p:style>
+          <a:lnRef idx="2">
+            <a:schemeClr val="accent1">
+              <a:shade val="50000"/>
+            </a:schemeClr>
+          </a:lnRef>
+          <a:fillRef idx="1">
+            <a:schemeClr val="accent1"/>
+          </a:fillRef>
+          <a:effectRef idx="0">
+            <a:schemeClr val="accent1"/>
+          </a:effectRef>
+          <a:fontRef idx="minor">
+            <a:schemeClr val="lt1"/>
+          </a:fontRef>
+        </p:style>
+        <p:txBody>
+          <a:bodyPr rtlCol="0" anchor="ctr"/>
+          <a:lstStyle/>
+          <a:p>
+            <a:pPr algn="ctr"/>
+            <a:r>
+              <a:rPr lang="pt-BR" sz="1200" dirty="0">
+                <a:solidFill>
+                  <a:schemeClr val="tx1"/>
+                </a:solidFill>
+                <a:latin typeface="MV Boli" panose="02000500030200090000" pitchFamily="2" charset="0"/>
+                <a:cs typeface="MV Boli" panose="02000500030200090000" pitchFamily="2" charset="0"/>
+              </a:rPr>
+              <a:t>Parcerias com empresas de fast food</a:t>
+            </a:r>
+          </a:p>
+        </p:txBody>
+      </p:sp>
+      <p:sp>
+        <p:nvSpPr>
+          <p:cNvPr id="18" name="Retângulo 17">
+            <a:extLst>
+              <a:ext uri="{FF2B5EF4-FFF2-40B4-BE49-F238E27FC236}">
+                <a16:creationId xmlns:a16="http://schemas.microsoft.com/office/drawing/2014/main" id="{5FF731AB-EEB1-4772-8618-CD59A4969BDD}"/>
+              </a:ext>
+            </a:extLst>
+          </p:cNvPr>
+          <p:cNvSpPr/>
+          <p:nvPr/>
+        </p:nvSpPr>
+        <p:spPr>
+          <a:xfrm>
+            <a:off x="2557352" y="1073330"/>
+            <a:ext cx="1997870" cy="439868"/>
+          </a:xfrm>
+          <a:prstGeom prst="rect">
+            <a:avLst/>
+          </a:prstGeom>
+          <a:solidFill>
+            <a:srgbClr val="FFC000"/>
+          </a:solidFill>
+          <a:ln>
+            <a:noFill/>
+          </a:ln>
+          <a:effectLst>
+            <a:outerShdw blurRad="25400" dist="38100" dir="5400000" algn="t" rotWithShape="0">
+              <a:schemeClr val="bg1">
+                <a:lumMod val="85000"/>
+                <a:alpha val="40000"/>
+              </a:schemeClr>
+            </a:outerShdw>
+          </a:effectLst>
+        </p:spPr>
+        <p:style>
+          <a:lnRef idx="2">
+            <a:schemeClr val="accent1">
+              <a:shade val="50000"/>
+            </a:schemeClr>
+          </a:lnRef>
+          <a:fillRef idx="1">
+            <a:schemeClr val="accent1"/>
+          </a:fillRef>
+          <a:effectRef idx="0">
+            <a:schemeClr val="accent1"/>
+          </a:effectRef>
+          <a:fontRef idx="minor">
+            <a:schemeClr val="lt1"/>
+          </a:fontRef>
+        </p:style>
+        <p:txBody>
+          <a:bodyPr rtlCol="0" anchor="ctr"/>
+          <a:lstStyle/>
+          <a:p>
+            <a:pPr algn="ctr" defTabSz="1149969"/>
+            <a:r>
+              <a:rPr lang="pt-BR" sz="1200" dirty="0">
+                <a:solidFill>
+                  <a:schemeClr val="tx1"/>
+                </a:solidFill>
+                <a:latin typeface="MV Boli" panose="02000500030200090000" pitchFamily="2" charset="0"/>
+                <a:cs typeface="MV Boli" panose="02000500030200090000" pitchFamily="2" charset="0"/>
+              </a:rPr>
+              <a:t>Monitorar a experencia do cliente </a:t>
+            </a:r>
+          </a:p>
+        </p:txBody>
+      </p:sp>
+      <p:sp>
+        <p:nvSpPr>
+          <p:cNvPr id="19" name="Retângulo 18">
+            <a:extLst>
+              <a:ext uri="{FF2B5EF4-FFF2-40B4-BE49-F238E27FC236}">
+                <a16:creationId xmlns:a16="http://schemas.microsoft.com/office/drawing/2014/main" id="{0DE9B3C6-13DB-44BB-8654-86789F5D2165}"/>
+              </a:ext>
+            </a:extLst>
+          </p:cNvPr>
+          <p:cNvSpPr/>
+          <p:nvPr/>
+        </p:nvSpPr>
+        <p:spPr>
+          <a:xfrm>
+            <a:off x="260058" y="5624256"/>
+            <a:ext cx="1472912" cy="389150"/>
+          </a:xfrm>
+          <a:prstGeom prst="rect">
+            <a:avLst/>
+          </a:prstGeom>
+          <a:solidFill>
+            <a:srgbClr val="FFFF99"/>
+          </a:solidFill>
+          <a:ln>
+            <a:noFill/>
+          </a:ln>
+          <a:effectLst>
+            <a:outerShdw blurRad="25400" dist="38100" dir="5400000" algn="t" rotWithShape="0">
+              <a:schemeClr val="bg1">
+                <a:lumMod val="85000"/>
+                <a:alpha val="40000"/>
+              </a:schemeClr>
+            </a:outerShdw>
+          </a:effectLst>
+        </p:spPr>
+        <p:style>
+          <a:lnRef idx="2">
+            <a:schemeClr val="accent1">
+              <a:shade val="50000"/>
+            </a:schemeClr>
+          </a:lnRef>
+          <a:fillRef idx="1">
+            <a:schemeClr val="accent1"/>
+          </a:fillRef>
+          <a:effectRef idx="0">
+            <a:schemeClr val="accent1"/>
+          </a:effectRef>
+          <a:fontRef idx="minor">
+            <a:schemeClr val="lt1"/>
+          </a:fontRef>
+        </p:style>
+        <p:txBody>
+          <a:bodyPr rtlCol="0" anchor="ctr"/>
+          <a:lstStyle/>
+          <a:p>
+            <a:pPr algn="ctr"/>
+            <a:r>
+              <a:rPr lang="pt-BR" sz="1200" dirty="0">
+                <a:solidFill>
+                  <a:schemeClr val="tx1"/>
+                </a:solidFill>
+                <a:latin typeface="MV Boli" panose="02000500030200090000" pitchFamily="2" charset="0"/>
+                <a:cs typeface="MV Boli" panose="02000500030200090000" pitchFamily="2" charset="0"/>
+              </a:rPr>
+              <a:t>Plataforma de monitoramento</a:t>
+            </a:r>
+          </a:p>
+        </p:txBody>
+      </p:sp>
+      <p:sp>
+        <p:nvSpPr>
+          <p:cNvPr id="21" name="Retângulo 20">
+            <a:extLst>
+              <a:ext uri="{FF2B5EF4-FFF2-40B4-BE49-F238E27FC236}">
+                <a16:creationId xmlns:a16="http://schemas.microsoft.com/office/drawing/2014/main" id="{93B7C28C-D87D-4E44-A646-DBDAF21AFFCC}"/>
+              </a:ext>
+            </a:extLst>
+          </p:cNvPr>
+          <p:cNvSpPr/>
+          <p:nvPr/>
+        </p:nvSpPr>
+        <p:spPr>
+          <a:xfrm>
+            <a:off x="260058" y="6132352"/>
+            <a:ext cx="1409351" cy="461395"/>
+          </a:xfrm>
+          <a:prstGeom prst="rect">
+            <a:avLst/>
+          </a:prstGeom>
+          <a:solidFill>
+            <a:srgbClr val="99FF99"/>
+          </a:solidFill>
+          <a:ln w="3175">
+            <a:solidFill>
+              <a:schemeClr val="bg1">
+                <a:lumMod val="85000"/>
+              </a:schemeClr>
+            </a:solidFill>
+          </a:ln>
+          <a:effectLst>
+            <a:outerShdw blurRad="25400" dist="38100" dir="5400000" algn="t" rotWithShape="0">
+              <a:schemeClr val="bg1">
+                <a:lumMod val="85000"/>
+                <a:alpha val="40000"/>
+              </a:schemeClr>
+            </a:outerShdw>
+          </a:effectLst>
+        </p:spPr>
+        <p:style>
+          <a:lnRef idx="2">
+            <a:schemeClr val="accent1">
+              <a:shade val="50000"/>
+            </a:schemeClr>
+          </a:lnRef>
+          <a:fillRef idx="1">
+            <a:schemeClr val="accent1"/>
+          </a:fillRef>
+          <a:effectRef idx="0">
+            <a:schemeClr val="accent1"/>
+          </a:effectRef>
+          <a:fontRef idx="minor">
+            <a:schemeClr val="lt1"/>
+          </a:fontRef>
+        </p:style>
+        <p:txBody>
+          <a:bodyPr rtlCol="0" anchor="ctr"/>
+          <a:lstStyle/>
+          <a:p>
+            <a:pPr algn="ctr"/>
+            <a:r>
+              <a:rPr lang="pt-BR" sz="1200" dirty="0">
+                <a:solidFill>
+                  <a:schemeClr val="tx1"/>
+                </a:solidFill>
+                <a:latin typeface="MV Boli" panose="02000500030200090000" pitchFamily="2" charset="0"/>
+                <a:cs typeface="MV Boli" panose="02000500030200090000" pitchFamily="2" charset="0"/>
+              </a:rPr>
+              <a:t>Marketing</a:t>
+            </a:r>
+          </a:p>
+        </p:txBody>
+      </p:sp>
+      <p:sp>
+        <p:nvSpPr>
+          <p:cNvPr id="22" name="Retângulo 21">
+            <a:extLst>
+              <a:ext uri="{FF2B5EF4-FFF2-40B4-BE49-F238E27FC236}">
+                <a16:creationId xmlns:a16="http://schemas.microsoft.com/office/drawing/2014/main" id="{B5557487-814B-41D5-B1A9-F8905FE5D1D9}"/>
+              </a:ext>
+            </a:extLst>
+          </p:cNvPr>
+          <p:cNvSpPr/>
+          <p:nvPr/>
+        </p:nvSpPr>
+        <p:spPr>
+          <a:xfrm>
+            <a:off x="2271885" y="5624256"/>
+            <a:ext cx="1100489" cy="389150"/>
+          </a:xfrm>
+          <a:prstGeom prst="rect">
+            <a:avLst/>
+          </a:prstGeom>
+          <a:solidFill>
+            <a:srgbClr val="FFC000"/>
+          </a:solidFill>
+          <a:ln>
+            <a:noFill/>
+          </a:ln>
+          <a:effectLst>
+            <a:outerShdw blurRad="25400" dist="38100" dir="5400000" algn="t" rotWithShape="0">
+              <a:schemeClr val="bg1">
+                <a:lumMod val="85000"/>
+                <a:alpha val="40000"/>
+              </a:schemeClr>
+            </a:outerShdw>
+          </a:effectLst>
+        </p:spPr>
+        <p:style>
+          <a:lnRef idx="2">
+            <a:schemeClr val="accent1">
+              <a:shade val="50000"/>
+            </a:schemeClr>
+          </a:lnRef>
+          <a:fillRef idx="1">
+            <a:schemeClr val="accent1"/>
+          </a:fillRef>
+          <a:effectRef idx="0">
+            <a:schemeClr val="accent1"/>
+          </a:effectRef>
+          <a:fontRef idx="minor">
+            <a:schemeClr val="lt1"/>
+          </a:fontRef>
+        </p:style>
+        <p:txBody>
+          <a:bodyPr rtlCol="0" anchor="ctr"/>
+          <a:lstStyle/>
+          <a:p>
+            <a:pPr algn="ctr" defTabSz="1149969"/>
+            <a:r>
+              <a:rPr lang="pt-BR" sz="1200" dirty="0">
+                <a:solidFill>
+                  <a:schemeClr val="tx1"/>
+                </a:solidFill>
+                <a:latin typeface="MV Boli" panose="02000500030200090000" pitchFamily="2" charset="0"/>
+                <a:cs typeface="MV Boli" panose="02000500030200090000" pitchFamily="2" charset="0"/>
+              </a:rPr>
+              <a:t>Equipe</a:t>
+            </a:r>
+          </a:p>
+        </p:txBody>
+      </p:sp>
+      <p:sp>
+        <p:nvSpPr>
+          <p:cNvPr id="23" name="Retângulo 22">
+            <a:extLst>
+              <a:ext uri="{FF2B5EF4-FFF2-40B4-BE49-F238E27FC236}">
+                <a16:creationId xmlns:a16="http://schemas.microsoft.com/office/drawing/2014/main" id="{3DC3C25B-831C-4D65-B654-15FDDA10CBC2}"/>
+              </a:ext>
+            </a:extLst>
+          </p:cNvPr>
+          <p:cNvSpPr/>
+          <p:nvPr/>
+        </p:nvSpPr>
+        <p:spPr>
+          <a:xfrm>
+            <a:off x="7503840" y="1022434"/>
+            <a:ext cx="1276417" cy="526721"/>
+          </a:xfrm>
+          <a:prstGeom prst="rect">
+            <a:avLst/>
+          </a:prstGeom>
+          <a:solidFill>
+            <a:srgbClr val="FF99CC"/>
+          </a:solidFill>
+          <a:ln>
+            <a:noFill/>
+          </a:ln>
+          <a:effectLst>
+            <a:outerShdw blurRad="25400" dist="38100" dir="5400000" algn="t" rotWithShape="0">
+              <a:schemeClr val="bg1">
+                <a:lumMod val="85000"/>
+                <a:alpha val="40000"/>
+              </a:schemeClr>
+            </a:outerShdw>
+          </a:effectLst>
+        </p:spPr>
+        <p:style>
+          <a:lnRef idx="2">
+            <a:schemeClr val="accent1">
+              <a:shade val="50000"/>
+            </a:schemeClr>
+          </a:lnRef>
+          <a:fillRef idx="1">
+            <a:schemeClr val="accent1"/>
+          </a:fillRef>
+          <a:effectRef idx="0">
+            <a:schemeClr val="accent1"/>
+          </a:effectRef>
+          <a:fontRef idx="minor">
+            <a:schemeClr val="lt1"/>
+          </a:fontRef>
+        </p:style>
+        <p:txBody>
+          <a:bodyPr rtlCol="0" anchor="ctr"/>
+          <a:lstStyle/>
+          <a:p>
+            <a:pPr algn="ctr"/>
+            <a:r>
+              <a:rPr lang="pt-BR" sz="1200" dirty="0">
+                <a:solidFill>
+                  <a:schemeClr val="tx1"/>
+                </a:solidFill>
+                <a:latin typeface="MV Boli" panose="02000500030200090000" pitchFamily="2" charset="0"/>
+                <a:cs typeface="MV Boli" panose="02000500030200090000" pitchFamily="2" charset="0"/>
+              </a:rPr>
+              <a:t>Automatizado </a:t>
+            </a:r>
+          </a:p>
+        </p:txBody>
+      </p:sp>
+      <p:sp>
+        <p:nvSpPr>
+          <p:cNvPr id="24" name="Retângulo 23">
+            <a:extLst>
+              <a:ext uri="{FF2B5EF4-FFF2-40B4-BE49-F238E27FC236}">
+                <a16:creationId xmlns:a16="http://schemas.microsoft.com/office/drawing/2014/main" id="{4EB1FE1A-A848-4953-9D48-F77EC6EFD0AE}"/>
+              </a:ext>
+            </a:extLst>
+          </p:cNvPr>
+          <p:cNvSpPr/>
+          <p:nvPr/>
+        </p:nvSpPr>
+        <p:spPr>
+          <a:xfrm>
+            <a:off x="7479349" y="398500"/>
+            <a:ext cx="1333096" cy="389150"/>
+          </a:xfrm>
+          <a:prstGeom prst="rect">
+            <a:avLst/>
+          </a:prstGeom>
+          <a:solidFill>
+            <a:srgbClr val="99FF99"/>
+          </a:solidFill>
+          <a:ln w="3175">
+            <a:solidFill>
+              <a:schemeClr val="bg1">
+                <a:lumMod val="85000"/>
+              </a:schemeClr>
+            </a:solidFill>
+          </a:ln>
+          <a:effectLst>
+            <a:outerShdw blurRad="25400" dist="38100" dir="5400000" algn="t" rotWithShape="0">
+              <a:schemeClr val="bg1">
+                <a:lumMod val="85000"/>
+                <a:alpha val="40000"/>
+              </a:schemeClr>
+            </a:outerShdw>
+          </a:effectLst>
+        </p:spPr>
+        <p:style>
+          <a:lnRef idx="2">
+            <a:schemeClr val="accent1">
+              <a:shade val="50000"/>
+            </a:schemeClr>
+          </a:lnRef>
+          <a:fillRef idx="1">
+            <a:schemeClr val="accent1"/>
+          </a:fillRef>
+          <a:effectRef idx="0">
+            <a:schemeClr val="accent1"/>
+          </a:effectRef>
+          <a:fontRef idx="minor">
+            <a:schemeClr val="lt1"/>
+          </a:fontRef>
+        </p:style>
+        <p:txBody>
+          <a:bodyPr rtlCol="0" anchor="ctr"/>
+          <a:lstStyle/>
+          <a:p>
+            <a:pPr algn="ctr"/>
+            <a:r>
+              <a:rPr lang="pt-BR" sz="1200" dirty="0">
+                <a:solidFill>
+                  <a:schemeClr val="tx1"/>
+                </a:solidFill>
+                <a:latin typeface="MV Boli" panose="02000500030200090000" pitchFamily="2" charset="0"/>
+                <a:cs typeface="MV Boli" panose="02000500030200090000" pitchFamily="2" charset="0"/>
+              </a:rPr>
+              <a:t>Redes Sociais</a:t>
+            </a:r>
+          </a:p>
+        </p:txBody>
+      </p:sp>
+      <p:sp>
+        <p:nvSpPr>
+          <p:cNvPr id="25" name="Retângulo 24">
+            <a:extLst>
+              <a:ext uri="{FF2B5EF4-FFF2-40B4-BE49-F238E27FC236}">
+                <a16:creationId xmlns:a16="http://schemas.microsoft.com/office/drawing/2014/main" id="{C4DAC9DE-D9FE-4C3A-869F-B40BC8901739}"/>
+              </a:ext>
+            </a:extLst>
+          </p:cNvPr>
+          <p:cNvSpPr/>
+          <p:nvPr/>
+        </p:nvSpPr>
+        <p:spPr>
+          <a:xfrm>
+            <a:off x="2586849" y="3880527"/>
+            <a:ext cx="1246920" cy="389150"/>
+          </a:xfrm>
+          <a:prstGeom prst="rect">
+            <a:avLst/>
+          </a:prstGeom>
+          <a:solidFill>
+            <a:srgbClr val="FFC000"/>
+          </a:solidFill>
+          <a:ln>
+            <a:noFill/>
+          </a:ln>
+          <a:effectLst>
+            <a:outerShdw blurRad="25400" dist="38100" dir="5400000" algn="t" rotWithShape="0">
+              <a:schemeClr val="bg1">
+                <a:lumMod val="85000"/>
+                <a:alpha val="40000"/>
+              </a:schemeClr>
+            </a:outerShdw>
+          </a:effectLst>
+        </p:spPr>
+        <p:style>
+          <a:lnRef idx="2">
+            <a:schemeClr val="accent1">
+              <a:shade val="50000"/>
+            </a:schemeClr>
+          </a:lnRef>
+          <a:fillRef idx="1">
+            <a:schemeClr val="accent1"/>
+          </a:fillRef>
+          <a:effectRef idx="0">
+            <a:schemeClr val="accent1"/>
+          </a:effectRef>
+          <a:fontRef idx="minor">
+            <a:schemeClr val="lt1"/>
+          </a:fontRef>
+        </p:style>
+        <p:txBody>
+          <a:bodyPr rtlCol="0" anchor="ctr"/>
+          <a:lstStyle/>
+          <a:p>
+            <a:pPr algn="ctr" defTabSz="1149969"/>
+            <a:r>
+              <a:rPr lang="pt-BR" sz="1200" dirty="0">
+                <a:solidFill>
+                  <a:schemeClr val="tx1"/>
+                </a:solidFill>
+                <a:latin typeface="MV Boli" panose="02000500030200090000" pitchFamily="2" charset="0"/>
+                <a:cs typeface="MV Boli" panose="02000500030200090000" pitchFamily="2" charset="0"/>
+              </a:rPr>
+              <a:t>Geolocalização </a:t>
+            </a:r>
+          </a:p>
+        </p:txBody>
+      </p:sp>
+      <p:sp>
+        <p:nvSpPr>
+          <p:cNvPr id="26" name="Retângulo 25">
+            <a:extLst>
+              <a:ext uri="{FF2B5EF4-FFF2-40B4-BE49-F238E27FC236}">
+                <a16:creationId xmlns:a16="http://schemas.microsoft.com/office/drawing/2014/main" id="{64BEFBF1-5B98-4768-A169-FA27995163D5}"/>
+              </a:ext>
+            </a:extLst>
+          </p:cNvPr>
+          <p:cNvSpPr/>
+          <p:nvPr/>
+        </p:nvSpPr>
+        <p:spPr>
+          <a:xfrm>
+            <a:off x="10143688" y="409818"/>
+            <a:ext cx="1472912" cy="612616"/>
+          </a:xfrm>
+          <a:prstGeom prst="rect">
+            <a:avLst/>
+          </a:prstGeom>
+          <a:solidFill>
+            <a:srgbClr val="FFFF99"/>
+          </a:solidFill>
+          <a:ln>
+            <a:noFill/>
+          </a:ln>
+          <a:effectLst>
+            <a:outerShdw blurRad="25400" dist="38100" dir="5400000" algn="t" rotWithShape="0">
+              <a:schemeClr val="bg1">
+                <a:lumMod val="85000"/>
+                <a:alpha val="40000"/>
+              </a:schemeClr>
+            </a:outerShdw>
+          </a:effectLst>
+        </p:spPr>
+        <p:style>
+          <a:lnRef idx="2">
+            <a:schemeClr val="accent1">
+              <a:shade val="50000"/>
+            </a:schemeClr>
+          </a:lnRef>
+          <a:fillRef idx="1">
+            <a:schemeClr val="accent1"/>
+          </a:fillRef>
+          <a:effectRef idx="0">
+            <a:schemeClr val="accent1"/>
+          </a:effectRef>
+          <a:fontRef idx="minor">
+            <a:schemeClr val="lt1"/>
+          </a:fontRef>
+        </p:style>
+        <p:txBody>
+          <a:bodyPr rtlCol="0" anchor="ctr"/>
+          <a:lstStyle/>
+          <a:p>
+            <a:pPr algn="ctr"/>
+            <a:r>
+              <a:rPr lang="pt-BR" sz="1200" dirty="0">
+                <a:solidFill>
+                  <a:schemeClr val="tx1"/>
+                </a:solidFill>
+                <a:latin typeface="MV Boli" panose="02000500030200090000" pitchFamily="2" charset="0"/>
+                <a:cs typeface="MV Boli" panose="02000500030200090000" pitchFamily="2" charset="0"/>
+              </a:rPr>
+              <a:t>Familia</a:t>
+            </a:r>
+          </a:p>
+        </p:txBody>
+      </p:sp>
+      <p:sp>
+        <p:nvSpPr>
+          <p:cNvPr id="27" name="Retângulo 26">
+            <a:extLst>
+              <a:ext uri="{FF2B5EF4-FFF2-40B4-BE49-F238E27FC236}">
+                <a16:creationId xmlns:a16="http://schemas.microsoft.com/office/drawing/2014/main" id="{97B3464C-8529-42F6-887E-AECF2F714952}"/>
+              </a:ext>
+            </a:extLst>
+          </p:cNvPr>
+          <p:cNvSpPr/>
+          <p:nvPr/>
+        </p:nvSpPr>
+        <p:spPr>
+          <a:xfrm>
+            <a:off x="10143688" y="1386582"/>
+            <a:ext cx="1578152" cy="389150"/>
+          </a:xfrm>
+          <a:prstGeom prst="rect">
+            <a:avLst/>
+          </a:prstGeom>
+          <a:solidFill>
+            <a:srgbClr val="99FF99"/>
+          </a:solidFill>
+          <a:ln w="3175">
+            <a:solidFill>
+              <a:schemeClr val="bg1">
+                <a:lumMod val="85000"/>
+              </a:schemeClr>
+            </a:solidFill>
+          </a:ln>
+          <a:effectLst>
+            <a:outerShdw blurRad="25400" dist="38100" dir="5400000" algn="t" rotWithShape="0">
+              <a:schemeClr val="bg1">
+                <a:lumMod val="85000"/>
+                <a:alpha val="40000"/>
+              </a:schemeClr>
+            </a:outerShdw>
+          </a:effectLst>
+        </p:spPr>
+        <p:style>
+          <a:lnRef idx="2">
+            <a:schemeClr val="accent1">
+              <a:shade val="50000"/>
+            </a:schemeClr>
+          </a:lnRef>
+          <a:fillRef idx="1">
+            <a:schemeClr val="accent1"/>
+          </a:fillRef>
+          <a:effectRef idx="0">
+            <a:schemeClr val="accent1"/>
+          </a:effectRef>
+          <a:fontRef idx="minor">
+            <a:schemeClr val="lt1"/>
+          </a:fontRef>
+        </p:style>
+        <p:txBody>
+          <a:bodyPr rtlCol="0" anchor="ctr"/>
+          <a:lstStyle/>
+          <a:p>
+            <a:pPr algn="ctr"/>
+            <a:r>
+              <a:rPr lang="pt-BR" sz="1200" dirty="0">
+                <a:solidFill>
+                  <a:schemeClr val="tx1"/>
+                </a:solidFill>
+                <a:latin typeface="MV Boli" panose="02000500030200090000" pitchFamily="2" charset="0"/>
+                <a:cs typeface="MV Boli" panose="02000500030200090000" pitchFamily="2" charset="0"/>
+              </a:rPr>
+              <a:t>Grupo de Jovens</a:t>
+            </a:r>
+          </a:p>
+        </p:txBody>
+      </p:sp>
+      <p:sp>
+        <p:nvSpPr>
+          <p:cNvPr id="28" name="Retângulo 27">
+            <a:extLst>
+              <a:ext uri="{FF2B5EF4-FFF2-40B4-BE49-F238E27FC236}">
+                <a16:creationId xmlns:a16="http://schemas.microsoft.com/office/drawing/2014/main" id="{677F032D-01E5-4BEB-AE00-5E27FDBA78A2}"/>
+              </a:ext>
+            </a:extLst>
+          </p:cNvPr>
+          <p:cNvSpPr/>
+          <p:nvPr/>
+        </p:nvSpPr>
+        <p:spPr>
+          <a:xfrm>
+            <a:off x="10059797" y="2126231"/>
+            <a:ext cx="1788011" cy="389150"/>
+          </a:xfrm>
+          <a:prstGeom prst="rect">
+            <a:avLst/>
+          </a:prstGeom>
+          <a:solidFill>
+            <a:srgbClr val="FFC000"/>
+          </a:solidFill>
+          <a:ln>
+            <a:noFill/>
+          </a:ln>
+          <a:effectLst>
+            <a:outerShdw blurRad="25400" dist="38100" dir="5400000" algn="t" rotWithShape="0">
+              <a:schemeClr val="bg1">
+                <a:lumMod val="85000"/>
+                <a:alpha val="40000"/>
+              </a:schemeClr>
+            </a:outerShdw>
+          </a:effectLst>
+        </p:spPr>
+        <p:style>
+          <a:lnRef idx="2">
+            <a:schemeClr val="accent1">
+              <a:shade val="50000"/>
+            </a:schemeClr>
+          </a:lnRef>
+          <a:fillRef idx="1">
+            <a:schemeClr val="accent1"/>
+          </a:fillRef>
+          <a:effectRef idx="0">
+            <a:schemeClr val="accent1"/>
+          </a:effectRef>
+          <a:fontRef idx="minor">
+            <a:schemeClr val="lt1"/>
+          </a:fontRef>
+        </p:style>
+        <p:txBody>
+          <a:bodyPr rtlCol="0" anchor="ctr"/>
+          <a:lstStyle/>
+          <a:p>
+            <a:pPr algn="ctr" defTabSz="1149969"/>
+            <a:r>
+              <a:rPr lang="pt-BR" sz="1200" dirty="0">
+                <a:solidFill>
+                  <a:schemeClr val="tx1"/>
+                </a:solidFill>
+                <a:latin typeface="MV Boli" panose="02000500030200090000" pitchFamily="2" charset="0"/>
+                <a:cs typeface="MV Boli" panose="02000500030200090000" pitchFamily="2" charset="0"/>
+              </a:rPr>
+              <a:t>Estabelecimentos</a:t>
+            </a:r>
+          </a:p>
+        </p:txBody>
+      </p:sp>
+    </p:spTree>
+    <p:extLst>
+      <p:ext uri="{BB962C8B-B14F-4D97-AF65-F5344CB8AC3E}">
+        <p14:creationId xmlns:p14="http://schemas.microsoft.com/office/powerpoint/2010/main" val="2639967187"/>
+      </p:ext>
+    </p:extLst>
+  </p:cSld>
+  <p:clrMapOvr>
+    <a:masterClrMapping/>
+  </p:clrMapOvr>
+</p:sld>
+</file>
+
 <file path=ppt/theme/theme1.xml><?xml version="1.0" encoding="utf-8"?>
 <a:theme xmlns:a="http://schemas.openxmlformats.org/drawingml/2006/main" name="Tema do Office">
   <a:themeElements>

--- a/Documentação/Canvas Fade Solutions.pptx
+++ b/Documentação/Canvas Fade Solutions.pptx
@@ -260,7 +260,7 @@
           <a:p>
             <a:fld id="{F9620A2E-983C-481D-B69F-B5B6ADB7140C}" type="datetimeFigureOut">
               <a:rPr lang="pt-BR" smtClean="0"/>
-              <a:t>03/03/2021</a:t>
+              <a:t>08/03/2021</a:t>
             </a:fld>
             <a:endParaRPr lang="pt-BR"/>
           </a:p>
@@ -458,7 +458,7 @@
           <a:p>
             <a:fld id="{F9620A2E-983C-481D-B69F-B5B6ADB7140C}" type="datetimeFigureOut">
               <a:rPr lang="pt-BR" smtClean="0"/>
-              <a:t>03/03/2021</a:t>
+              <a:t>08/03/2021</a:t>
             </a:fld>
             <a:endParaRPr lang="pt-BR"/>
           </a:p>
@@ -666,7 +666,7 @@
           <a:p>
             <a:fld id="{F9620A2E-983C-481D-B69F-B5B6ADB7140C}" type="datetimeFigureOut">
               <a:rPr lang="pt-BR" smtClean="0"/>
-              <a:t>03/03/2021</a:t>
+              <a:t>08/03/2021</a:t>
             </a:fld>
             <a:endParaRPr lang="pt-BR"/>
           </a:p>
@@ -864,7 +864,7 @@
           <a:p>
             <a:fld id="{F9620A2E-983C-481D-B69F-B5B6ADB7140C}" type="datetimeFigureOut">
               <a:rPr lang="pt-BR" smtClean="0"/>
-              <a:t>03/03/2021</a:t>
+              <a:t>08/03/2021</a:t>
             </a:fld>
             <a:endParaRPr lang="pt-BR"/>
           </a:p>
@@ -1139,7 +1139,7 @@
           <a:p>
             <a:fld id="{F9620A2E-983C-481D-B69F-B5B6ADB7140C}" type="datetimeFigureOut">
               <a:rPr lang="pt-BR" smtClean="0"/>
-              <a:t>03/03/2021</a:t>
+              <a:t>08/03/2021</a:t>
             </a:fld>
             <a:endParaRPr lang="pt-BR"/>
           </a:p>
@@ -1404,7 +1404,7 @@
           <a:p>
             <a:fld id="{F9620A2E-983C-481D-B69F-B5B6ADB7140C}" type="datetimeFigureOut">
               <a:rPr lang="pt-BR" smtClean="0"/>
-              <a:t>03/03/2021</a:t>
+              <a:t>08/03/2021</a:t>
             </a:fld>
             <a:endParaRPr lang="pt-BR"/>
           </a:p>
@@ -1816,7 +1816,7 @@
           <a:p>
             <a:fld id="{F9620A2E-983C-481D-B69F-B5B6ADB7140C}" type="datetimeFigureOut">
               <a:rPr lang="pt-BR" smtClean="0"/>
-              <a:t>03/03/2021</a:t>
+              <a:t>08/03/2021</a:t>
             </a:fld>
             <a:endParaRPr lang="pt-BR"/>
           </a:p>
@@ -1957,7 +1957,7 @@
           <a:p>
             <a:fld id="{F9620A2E-983C-481D-B69F-B5B6ADB7140C}" type="datetimeFigureOut">
               <a:rPr lang="pt-BR" smtClean="0"/>
-              <a:t>03/03/2021</a:t>
+              <a:t>08/03/2021</a:t>
             </a:fld>
             <a:endParaRPr lang="pt-BR"/>
           </a:p>
@@ -2070,7 +2070,7 @@
           <a:p>
             <a:fld id="{F9620A2E-983C-481D-B69F-B5B6ADB7140C}" type="datetimeFigureOut">
               <a:rPr lang="pt-BR" smtClean="0"/>
-              <a:t>03/03/2021</a:t>
+              <a:t>08/03/2021</a:t>
             </a:fld>
             <a:endParaRPr lang="pt-BR"/>
           </a:p>
@@ -2381,7 +2381,7 @@
           <a:p>
             <a:fld id="{F9620A2E-983C-481D-B69F-B5B6ADB7140C}" type="datetimeFigureOut">
               <a:rPr lang="pt-BR" smtClean="0"/>
-              <a:t>03/03/2021</a:t>
+              <a:t>08/03/2021</a:t>
             </a:fld>
             <a:endParaRPr lang="pt-BR"/>
           </a:p>
@@ -2669,7 +2669,7 @@
           <a:p>
             <a:fld id="{F9620A2E-983C-481D-B69F-B5B6ADB7140C}" type="datetimeFigureOut">
               <a:rPr lang="pt-BR" smtClean="0"/>
-              <a:t>03/03/2021</a:t>
+              <a:t>08/03/2021</a:t>
             </a:fld>
             <a:endParaRPr lang="pt-BR"/>
           </a:p>
@@ -2910,7 +2910,7 @@
           <a:p>
             <a:fld id="{F9620A2E-983C-481D-B69F-B5B6ADB7140C}" type="datetimeFigureOut">
               <a:rPr lang="pt-BR" smtClean="0"/>
-              <a:t>03/03/2021</a:t>
+              <a:t>08/03/2021</a:t>
             </a:fld>
             <a:endParaRPr lang="pt-BR"/>
           </a:p>
@@ -4590,7 +4590,20 @@
                 <a:latin typeface="MV Boli" panose="02000500030200090000" pitchFamily="2" charset="0"/>
                 <a:cs typeface="MV Boli" panose="02000500030200090000" pitchFamily="2" charset="0"/>
               </a:rPr>
-              <a:t>Monitorar maquinas</a:t>
+              <a:t>Monitorar</a:t>
+            </a:r>
+          </a:p>
+          <a:p>
+            <a:pPr algn="ctr"/>
+            <a:r>
+              <a:rPr lang="pt-BR" sz="1200" dirty="0">
+                <a:solidFill>
+                  <a:schemeClr val="tx1"/>
+                </a:solidFill>
+                <a:latin typeface="MV Boli" panose="02000500030200090000" pitchFamily="2" charset="0"/>
+                <a:cs typeface="MV Boli" panose="02000500030200090000" pitchFamily="2" charset="0"/>
+              </a:rPr>
+              <a:t>Totens</a:t>
             </a:r>
           </a:p>
         </p:txBody>
@@ -4739,10 +4752,10 @@
       </p:sp>
       <p:sp>
         <p:nvSpPr>
-          <p:cNvPr id="10" name="Retângulo 9">
-            <a:extLst>
-              <a:ext uri="{FF2B5EF4-FFF2-40B4-BE49-F238E27FC236}">
-                <a16:creationId xmlns:a16="http://schemas.microsoft.com/office/drawing/2014/main" id="{405EBFAC-A0B3-4BEE-B8F7-088FD6A51A7C}"/>
+          <p:cNvPr id="11" name="Retângulo 10">
+            <a:extLst>
+              <a:ext uri="{FF2B5EF4-FFF2-40B4-BE49-F238E27FC236}">
+                <a16:creationId xmlns:a16="http://schemas.microsoft.com/office/drawing/2014/main" id="{D2B78805-1915-492B-B038-7A2A10808C7B}"/>
               </a:ext>
             </a:extLst>
           </p:cNvPr>
@@ -4751,7 +4764,7 @@
         </p:nvSpPr>
         <p:spPr>
           <a:xfrm>
-            <a:off x="5293075" y="379290"/>
+            <a:off x="4999573" y="2156594"/>
             <a:ext cx="1472912" cy="717573"/>
           </a:xfrm>
           <a:prstGeom prst="rect">
@@ -4801,145 +4814,7 @@
                 <a:latin typeface="MV Boli" panose="02000500030200090000" pitchFamily="2" charset="0"/>
                 <a:cs typeface="MV Boli" panose="02000500030200090000" pitchFamily="2" charset="0"/>
               </a:rPr>
-              <a:t>Experiencia do cliente</a:t>
-            </a:r>
-          </a:p>
-        </p:txBody>
-      </p:sp>
-      <p:sp>
-        <p:nvSpPr>
-          <p:cNvPr id="11" name="Retângulo 10">
-            <a:extLst>
-              <a:ext uri="{FF2B5EF4-FFF2-40B4-BE49-F238E27FC236}">
-                <a16:creationId xmlns:a16="http://schemas.microsoft.com/office/drawing/2014/main" id="{D2B78805-1915-492B-B038-7A2A10808C7B}"/>
-              </a:ext>
-            </a:extLst>
-          </p:cNvPr>
-          <p:cNvSpPr/>
-          <p:nvPr/>
-        </p:nvSpPr>
-        <p:spPr>
-          <a:xfrm>
-            <a:off x="5293075" y="2320806"/>
-            <a:ext cx="1472912" cy="717573"/>
-          </a:xfrm>
-          <a:prstGeom prst="rect">
-            <a:avLst/>
-          </a:prstGeom>
-          <a:solidFill>
-            <a:srgbClr val="FFC000"/>
-          </a:solidFill>
-          <a:ln>
-            <a:noFill/>
-          </a:ln>
-          <a:effectLst>
-            <a:outerShdw blurRad="25400" dist="38100" dir="5400000" algn="t" rotWithShape="0">
-              <a:schemeClr val="bg1">
-                <a:lumMod val="85000"/>
-                <a:alpha val="40000"/>
-              </a:schemeClr>
-            </a:outerShdw>
-          </a:effectLst>
-        </p:spPr>
-        <p:style>
-          <a:lnRef idx="2">
-            <a:schemeClr val="accent1">
-              <a:shade val="50000"/>
-            </a:schemeClr>
-          </a:lnRef>
-          <a:fillRef idx="1">
-            <a:schemeClr val="accent1"/>
-          </a:fillRef>
-          <a:effectRef idx="0">
-            <a:schemeClr val="accent1"/>
-          </a:effectRef>
-          <a:fontRef idx="minor">
-            <a:schemeClr val="lt1"/>
-          </a:fontRef>
-        </p:style>
-        <p:txBody>
-          <a:bodyPr rtlCol="0" anchor="ctr"/>
-          <a:lstStyle/>
-          <a:p>
-            <a:pPr algn="ctr" defTabSz="1149969"/>
-            <a:r>
-              <a:rPr lang="pt-BR" sz="1200" dirty="0">
-                <a:solidFill>
-                  <a:schemeClr val="tx1"/>
-                </a:solidFill>
-                <a:latin typeface="MV Boli" panose="02000500030200090000" pitchFamily="2" charset="0"/>
-                <a:cs typeface="MV Boli" panose="02000500030200090000" pitchFamily="2" charset="0"/>
-              </a:rPr>
               <a:t>Site flexível</a:t>
-            </a:r>
-          </a:p>
-        </p:txBody>
-      </p:sp>
-      <p:sp>
-        <p:nvSpPr>
-          <p:cNvPr id="12" name="Retângulo 11">
-            <a:extLst>
-              <a:ext uri="{FF2B5EF4-FFF2-40B4-BE49-F238E27FC236}">
-                <a16:creationId xmlns:a16="http://schemas.microsoft.com/office/drawing/2014/main" id="{65B025F6-2017-450D-AEB5-FA3375F4F136}"/>
-              </a:ext>
-            </a:extLst>
-          </p:cNvPr>
-          <p:cNvSpPr/>
-          <p:nvPr/>
-        </p:nvSpPr>
-        <p:spPr>
-          <a:xfrm>
-            <a:off x="5359543" y="1359017"/>
-            <a:ext cx="1578152" cy="656125"/>
-          </a:xfrm>
-          <a:prstGeom prst="rect">
-            <a:avLst/>
-          </a:prstGeom>
-          <a:solidFill>
-            <a:srgbClr val="FFFF99"/>
-          </a:solidFill>
-          <a:ln>
-            <a:noFill/>
-          </a:ln>
-          <a:effectLst>
-            <a:outerShdw blurRad="25400" dist="38100" dir="5400000" algn="t" rotWithShape="0">
-              <a:schemeClr val="bg1">
-                <a:lumMod val="85000"/>
-                <a:alpha val="40000"/>
-              </a:schemeClr>
-            </a:outerShdw>
-          </a:effectLst>
-        </p:spPr>
-        <p:style>
-          <a:lnRef idx="2">
-            <a:schemeClr val="accent1">
-              <a:shade val="50000"/>
-            </a:schemeClr>
-          </a:lnRef>
-          <a:fillRef idx="1">
-            <a:schemeClr val="accent1"/>
-          </a:fillRef>
-          <a:effectRef idx="0">
-            <a:schemeClr val="accent1"/>
-          </a:effectRef>
-          <a:fontRef idx="minor">
-            <a:schemeClr val="lt1"/>
-          </a:fontRef>
-        </p:style>
-        <p:txBody>
-          <a:bodyPr rtlCol="0" anchor="ctr"/>
-          <a:lstStyle/>
-          <a:p>
-            <a:pPr algn="ctr" defTabSz="1149969"/>
-            <a:r>
-              <a:rPr lang="pt-BR" sz="1200" dirty="0">
-                <a:solidFill>
-                  <a:schemeClr val="tx1"/>
-                </a:solidFill>
-                <a:latin typeface="MV Boli" panose="02000500030200090000" pitchFamily="2" charset="0"/>
-                <a:cs typeface="MV Boli" panose="02000500030200090000" pitchFamily="2" charset="0"/>
-              </a:rPr>
-              <a:t>Benefícios com as parcerias</a:t>
             </a:r>
           </a:p>
         </p:txBody>
@@ -5108,10 +4983,10 @@
       </p:sp>
       <p:sp>
         <p:nvSpPr>
-          <p:cNvPr id="15" name="Retângulo 14">
-            <a:extLst>
-              <a:ext uri="{FF2B5EF4-FFF2-40B4-BE49-F238E27FC236}">
-                <a16:creationId xmlns:a16="http://schemas.microsoft.com/office/drawing/2014/main" id="{8EFDD379-FA58-436E-AF81-800B3F628DD1}"/>
+          <p:cNvPr id="17" name="Retângulo 16">
+            <a:extLst>
+              <a:ext uri="{FF2B5EF4-FFF2-40B4-BE49-F238E27FC236}">
+                <a16:creationId xmlns:a16="http://schemas.microsoft.com/office/drawing/2014/main" id="{6ADC8878-77A9-45F5-AA71-568F0B4A3153}"/>
               </a:ext>
             </a:extLst>
           </p:cNvPr>
@@ -5120,153 +4995,7 @@
         </p:nvSpPr>
         <p:spPr>
           <a:xfrm>
-            <a:off x="7374676" y="4332053"/>
-            <a:ext cx="1752546" cy="389150"/>
-          </a:xfrm>
-          <a:prstGeom prst="rect">
-            <a:avLst/>
-          </a:prstGeom>
-          <a:solidFill>
-            <a:srgbClr val="99FF99"/>
-          </a:solidFill>
-          <a:ln w="3175">
-            <a:solidFill>
-              <a:schemeClr val="bg1">
-                <a:lumMod val="85000"/>
-              </a:schemeClr>
-            </a:solidFill>
-          </a:ln>
-          <a:effectLst>
-            <a:outerShdw blurRad="25400" dist="38100" dir="5400000" algn="t" rotWithShape="0">
-              <a:schemeClr val="bg1">
-                <a:lumMod val="85000"/>
-                <a:alpha val="40000"/>
-              </a:schemeClr>
-            </a:outerShdw>
-          </a:effectLst>
-        </p:spPr>
-        <p:style>
-          <a:lnRef idx="2">
-            <a:schemeClr val="accent1">
-              <a:shade val="50000"/>
-            </a:schemeClr>
-          </a:lnRef>
-          <a:fillRef idx="1">
-            <a:schemeClr val="accent1"/>
-          </a:fillRef>
-          <a:effectRef idx="0">
-            <a:schemeClr val="accent1"/>
-          </a:effectRef>
-          <a:fontRef idx="minor">
-            <a:schemeClr val="lt1"/>
-          </a:fontRef>
-        </p:style>
-        <p:txBody>
-          <a:bodyPr rtlCol="0" anchor="ctr"/>
-          <a:lstStyle/>
-          <a:p>
-            <a:pPr algn="ctr"/>
-            <a:r>
-              <a:rPr lang="pt-BR" sz="1200" dirty="0">
-                <a:solidFill>
-                  <a:schemeClr val="tx1"/>
-                </a:solidFill>
-                <a:latin typeface="MV Boli" panose="02000500030200090000" pitchFamily="2" charset="0"/>
-                <a:cs typeface="MV Boli" panose="02000500030200090000" pitchFamily="2" charset="0"/>
-              </a:rPr>
-              <a:t>Anúncios/Propaganda </a:t>
-            </a:r>
-          </a:p>
-        </p:txBody>
-      </p:sp>
-      <p:sp>
-        <p:nvSpPr>
-          <p:cNvPr id="16" name="Retângulo 15">
-            <a:extLst>
-              <a:ext uri="{FF2B5EF4-FFF2-40B4-BE49-F238E27FC236}">
-                <a16:creationId xmlns:a16="http://schemas.microsoft.com/office/drawing/2014/main" id="{A6B8B461-1DBD-423B-94B5-582C261EA68F}"/>
-              </a:ext>
-            </a:extLst>
-          </p:cNvPr>
-          <p:cNvSpPr/>
-          <p:nvPr/>
-        </p:nvSpPr>
-        <p:spPr>
-          <a:xfrm>
-            <a:off x="6288678" y="5624255"/>
-            <a:ext cx="1752546" cy="389150"/>
-          </a:xfrm>
-          <a:prstGeom prst="rect">
-            <a:avLst/>
-          </a:prstGeom>
-          <a:solidFill>
-            <a:srgbClr val="99FF99"/>
-          </a:solidFill>
-          <a:ln w="3175">
-            <a:solidFill>
-              <a:schemeClr val="bg1">
-                <a:lumMod val="85000"/>
-              </a:schemeClr>
-            </a:solidFill>
-          </a:ln>
-          <a:effectLst>
-            <a:outerShdw blurRad="25400" dist="38100" dir="5400000" algn="t" rotWithShape="0">
-              <a:schemeClr val="bg1">
-                <a:lumMod val="85000"/>
-                <a:alpha val="40000"/>
-              </a:schemeClr>
-            </a:outerShdw>
-          </a:effectLst>
-        </p:spPr>
-        <p:style>
-          <a:lnRef idx="2">
-            <a:schemeClr val="accent1">
-              <a:shade val="50000"/>
-            </a:schemeClr>
-          </a:lnRef>
-          <a:fillRef idx="1">
-            <a:schemeClr val="accent1"/>
-          </a:fillRef>
-          <a:effectRef idx="0">
-            <a:schemeClr val="accent1"/>
-          </a:effectRef>
-          <a:fontRef idx="minor">
-            <a:schemeClr val="lt1"/>
-          </a:fontRef>
-        </p:style>
-        <p:txBody>
-          <a:bodyPr rtlCol="0" anchor="ctr"/>
-          <a:lstStyle/>
-          <a:p>
-            <a:pPr algn="ctr"/>
-            <a:r>
-              <a:rPr lang="pt-BR" sz="1200" dirty="0">
-                <a:solidFill>
-                  <a:schemeClr val="tx1"/>
-                </a:solidFill>
-                <a:latin typeface="MV Boli" panose="02000500030200090000" pitchFamily="2" charset="0"/>
-                <a:cs typeface="MV Boli" panose="02000500030200090000" pitchFamily="2" charset="0"/>
-              </a:rPr>
-              <a:t>Anúncios/Propaganda </a:t>
-            </a:r>
-          </a:p>
-        </p:txBody>
-      </p:sp>
-      <p:sp>
-        <p:nvSpPr>
-          <p:cNvPr id="17" name="Retângulo 16">
-            <a:extLst>
-              <a:ext uri="{FF2B5EF4-FFF2-40B4-BE49-F238E27FC236}">
-                <a16:creationId xmlns:a16="http://schemas.microsoft.com/office/drawing/2014/main" id="{6ADC8878-77A9-45F5-AA71-568F0B4A3153}"/>
-              </a:ext>
-            </a:extLst>
-          </p:cNvPr>
-          <p:cNvSpPr/>
-          <p:nvPr/>
-        </p:nvSpPr>
-        <p:spPr>
-          <a:xfrm>
-            <a:off x="6288678" y="6132352"/>
+            <a:off x="6271900" y="5558680"/>
             <a:ext cx="1605362" cy="607228"/>
           </a:xfrm>
           <a:prstGeom prst="rect">
@@ -5317,75 +5046,6 @@
                 <a:cs typeface="MV Boli" panose="02000500030200090000" pitchFamily="2" charset="0"/>
               </a:rPr>
               <a:t>Parcerias com empresas de fast food</a:t>
-            </a:r>
-          </a:p>
-        </p:txBody>
-      </p:sp>
-      <p:sp>
-        <p:nvSpPr>
-          <p:cNvPr id="18" name="Retângulo 17">
-            <a:extLst>
-              <a:ext uri="{FF2B5EF4-FFF2-40B4-BE49-F238E27FC236}">
-                <a16:creationId xmlns:a16="http://schemas.microsoft.com/office/drawing/2014/main" id="{5FF731AB-EEB1-4772-8618-CD59A4969BDD}"/>
-              </a:ext>
-            </a:extLst>
-          </p:cNvPr>
-          <p:cNvSpPr/>
-          <p:nvPr/>
-        </p:nvSpPr>
-        <p:spPr>
-          <a:xfrm>
-            <a:off x="2557352" y="1073330"/>
-            <a:ext cx="1997870" cy="439868"/>
-          </a:xfrm>
-          <a:prstGeom prst="rect">
-            <a:avLst/>
-          </a:prstGeom>
-          <a:solidFill>
-            <a:srgbClr val="FFC000"/>
-          </a:solidFill>
-          <a:ln>
-            <a:noFill/>
-          </a:ln>
-          <a:effectLst>
-            <a:outerShdw blurRad="25400" dist="38100" dir="5400000" algn="t" rotWithShape="0">
-              <a:schemeClr val="bg1">
-                <a:lumMod val="85000"/>
-                <a:alpha val="40000"/>
-              </a:schemeClr>
-            </a:outerShdw>
-          </a:effectLst>
-        </p:spPr>
-        <p:style>
-          <a:lnRef idx="2">
-            <a:schemeClr val="accent1">
-              <a:shade val="50000"/>
-            </a:schemeClr>
-          </a:lnRef>
-          <a:fillRef idx="1">
-            <a:schemeClr val="accent1"/>
-          </a:fillRef>
-          <a:effectRef idx="0">
-            <a:schemeClr val="accent1"/>
-          </a:effectRef>
-          <a:fontRef idx="minor">
-            <a:schemeClr val="lt1"/>
-          </a:fontRef>
-        </p:style>
-        <p:txBody>
-          <a:bodyPr rtlCol="0" anchor="ctr"/>
-          <a:lstStyle/>
-          <a:p>
-            <a:pPr algn="ctr" defTabSz="1149969"/>
-            <a:r>
-              <a:rPr lang="pt-BR" sz="1200" dirty="0">
-                <a:solidFill>
-                  <a:schemeClr val="tx1"/>
-                </a:solidFill>
-                <a:latin typeface="MV Boli" panose="02000500030200090000" pitchFamily="2" charset="0"/>
-                <a:cs typeface="MV Boli" panose="02000500030200090000" pitchFamily="2" charset="0"/>
-              </a:rPr>
-              <a:t>Monitorar a experencia do cliente </a:t>
             </a:r>
           </a:p>
         </p:txBody>
@@ -5596,7 +5256,7 @@
                 <a:latin typeface="MV Boli" panose="02000500030200090000" pitchFamily="2" charset="0"/>
                 <a:cs typeface="MV Boli" panose="02000500030200090000" pitchFamily="2" charset="0"/>
               </a:rPr>
-              <a:t>Equipe</a:t>
+              <a:t>Equipe de suporte</a:t>
             </a:r>
           </a:p>
         </p:txBody>
@@ -5615,7 +5275,7 @@
         </p:nvSpPr>
         <p:spPr>
           <a:xfrm>
-            <a:off x="7503840" y="1022434"/>
+            <a:off x="7504972" y="343610"/>
             <a:ext cx="1276417" cy="526721"/>
           </a:xfrm>
           <a:prstGeom prst="rect">
@@ -5666,79 +5326,6 @@
                 <a:cs typeface="MV Boli" panose="02000500030200090000" pitchFamily="2" charset="0"/>
               </a:rPr>
               <a:t>Automatizado </a:t>
-            </a:r>
-          </a:p>
-        </p:txBody>
-      </p:sp>
-      <p:sp>
-        <p:nvSpPr>
-          <p:cNvPr id="24" name="Retângulo 23">
-            <a:extLst>
-              <a:ext uri="{FF2B5EF4-FFF2-40B4-BE49-F238E27FC236}">
-                <a16:creationId xmlns:a16="http://schemas.microsoft.com/office/drawing/2014/main" id="{4EB1FE1A-A848-4953-9D48-F77EC6EFD0AE}"/>
-              </a:ext>
-            </a:extLst>
-          </p:cNvPr>
-          <p:cNvSpPr/>
-          <p:nvPr/>
-        </p:nvSpPr>
-        <p:spPr>
-          <a:xfrm>
-            <a:off x="7479349" y="398500"/>
-            <a:ext cx="1333096" cy="389150"/>
-          </a:xfrm>
-          <a:prstGeom prst="rect">
-            <a:avLst/>
-          </a:prstGeom>
-          <a:solidFill>
-            <a:srgbClr val="99FF99"/>
-          </a:solidFill>
-          <a:ln w="3175">
-            <a:solidFill>
-              <a:schemeClr val="bg1">
-                <a:lumMod val="85000"/>
-              </a:schemeClr>
-            </a:solidFill>
-          </a:ln>
-          <a:effectLst>
-            <a:outerShdw blurRad="25400" dist="38100" dir="5400000" algn="t" rotWithShape="0">
-              <a:schemeClr val="bg1">
-                <a:lumMod val="85000"/>
-                <a:alpha val="40000"/>
-              </a:schemeClr>
-            </a:outerShdw>
-          </a:effectLst>
-        </p:spPr>
-        <p:style>
-          <a:lnRef idx="2">
-            <a:schemeClr val="accent1">
-              <a:shade val="50000"/>
-            </a:schemeClr>
-          </a:lnRef>
-          <a:fillRef idx="1">
-            <a:schemeClr val="accent1"/>
-          </a:fillRef>
-          <a:effectRef idx="0">
-            <a:schemeClr val="accent1"/>
-          </a:effectRef>
-          <a:fontRef idx="minor">
-            <a:schemeClr val="lt1"/>
-          </a:fontRef>
-        </p:style>
-        <p:txBody>
-          <a:bodyPr rtlCol="0" anchor="ctr"/>
-          <a:lstStyle/>
-          <a:p>
-            <a:pPr algn="ctr"/>
-            <a:r>
-              <a:rPr lang="pt-BR" sz="1200" dirty="0">
-                <a:solidFill>
-                  <a:schemeClr val="tx1"/>
-                </a:solidFill>
-                <a:latin typeface="MV Boli" panose="02000500030200090000" pitchFamily="2" charset="0"/>
-                <a:cs typeface="MV Boli" panose="02000500030200090000" pitchFamily="2" charset="0"/>
-              </a:rPr>
-              <a:t>Redes Sociais</a:t>
             </a:r>
           </a:p>
         </p:txBody>
@@ -5814,10 +5401,10 @@
       </p:sp>
       <p:sp>
         <p:nvSpPr>
-          <p:cNvPr id="26" name="Retângulo 25">
-            <a:extLst>
-              <a:ext uri="{FF2B5EF4-FFF2-40B4-BE49-F238E27FC236}">
-                <a16:creationId xmlns:a16="http://schemas.microsoft.com/office/drawing/2014/main" id="{64BEFBF1-5B98-4768-A169-FA27995163D5}"/>
+          <p:cNvPr id="28" name="Retângulo 27">
+            <a:extLst>
+              <a:ext uri="{FF2B5EF4-FFF2-40B4-BE49-F238E27FC236}">
+                <a16:creationId xmlns:a16="http://schemas.microsoft.com/office/drawing/2014/main" id="{677F032D-01E5-4BEB-AE00-5E27FDBA78A2}"/>
               </a:ext>
             </a:extLst>
           </p:cNvPr>
@@ -5826,149 +5413,7 @@
         </p:nvSpPr>
         <p:spPr>
           <a:xfrm>
-            <a:off x="10143688" y="409818"/>
-            <a:ext cx="1472912" cy="612616"/>
-          </a:xfrm>
-          <a:prstGeom prst="rect">
-            <a:avLst/>
-          </a:prstGeom>
-          <a:solidFill>
-            <a:srgbClr val="FFFF99"/>
-          </a:solidFill>
-          <a:ln>
-            <a:noFill/>
-          </a:ln>
-          <a:effectLst>
-            <a:outerShdw blurRad="25400" dist="38100" dir="5400000" algn="t" rotWithShape="0">
-              <a:schemeClr val="bg1">
-                <a:lumMod val="85000"/>
-                <a:alpha val="40000"/>
-              </a:schemeClr>
-            </a:outerShdw>
-          </a:effectLst>
-        </p:spPr>
-        <p:style>
-          <a:lnRef idx="2">
-            <a:schemeClr val="accent1">
-              <a:shade val="50000"/>
-            </a:schemeClr>
-          </a:lnRef>
-          <a:fillRef idx="1">
-            <a:schemeClr val="accent1"/>
-          </a:fillRef>
-          <a:effectRef idx="0">
-            <a:schemeClr val="accent1"/>
-          </a:effectRef>
-          <a:fontRef idx="minor">
-            <a:schemeClr val="lt1"/>
-          </a:fontRef>
-        </p:style>
-        <p:txBody>
-          <a:bodyPr rtlCol="0" anchor="ctr"/>
-          <a:lstStyle/>
-          <a:p>
-            <a:pPr algn="ctr"/>
-            <a:r>
-              <a:rPr lang="pt-BR" sz="1200" dirty="0">
-                <a:solidFill>
-                  <a:schemeClr val="tx1"/>
-                </a:solidFill>
-                <a:latin typeface="MV Boli" panose="02000500030200090000" pitchFamily="2" charset="0"/>
-                <a:cs typeface="MV Boli" panose="02000500030200090000" pitchFamily="2" charset="0"/>
-              </a:rPr>
-              <a:t>Familia</a:t>
-            </a:r>
-          </a:p>
-        </p:txBody>
-      </p:sp>
-      <p:sp>
-        <p:nvSpPr>
-          <p:cNvPr id="27" name="Retângulo 26">
-            <a:extLst>
-              <a:ext uri="{FF2B5EF4-FFF2-40B4-BE49-F238E27FC236}">
-                <a16:creationId xmlns:a16="http://schemas.microsoft.com/office/drawing/2014/main" id="{97B3464C-8529-42F6-887E-AECF2F714952}"/>
-              </a:ext>
-            </a:extLst>
-          </p:cNvPr>
-          <p:cNvSpPr/>
-          <p:nvPr/>
-        </p:nvSpPr>
-        <p:spPr>
-          <a:xfrm>
-            <a:off x="10143688" y="1386582"/>
-            <a:ext cx="1578152" cy="389150"/>
-          </a:xfrm>
-          <a:prstGeom prst="rect">
-            <a:avLst/>
-          </a:prstGeom>
-          <a:solidFill>
-            <a:srgbClr val="99FF99"/>
-          </a:solidFill>
-          <a:ln w="3175">
-            <a:solidFill>
-              <a:schemeClr val="bg1">
-                <a:lumMod val="85000"/>
-              </a:schemeClr>
-            </a:solidFill>
-          </a:ln>
-          <a:effectLst>
-            <a:outerShdw blurRad="25400" dist="38100" dir="5400000" algn="t" rotWithShape="0">
-              <a:schemeClr val="bg1">
-                <a:lumMod val="85000"/>
-                <a:alpha val="40000"/>
-              </a:schemeClr>
-            </a:outerShdw>
-          </a:effectLst>
-        </p:spPr>
-        <p:style>
-          <a:lnRef idx="2">
-            <a:schemeClr val="accent1">
-              <a:shade val="50000"/>
-            </a:schemeClr>
-          </a:lnRef>
-          <a:fillRef idx="1">
-            <a:schemeClr val="accent1"/>
-          </a:fillRef>
-          <a:effectRef idx="0">
-            <a:schemeClr val="accent1"/>
-          </a:effectRef>
-          <a:fontRef idx="minor">
-            <a:schemeClr val="lt1"/>
-          </a:fontRef>
-        </p:style>
-        <p:txBody>
-          <a:bodyPr rtlCol="0" anchor="ctr"/>
-          <a:lstStyle/>
-          <a:p>
-            <a:pPr algn="ctr"/>
-            <a:r>
-              <a:rPr lang="pt-BR" sz="1200" dirty="0">
-                <a:solidFill>
-                  <a:schemeClr val="tx1"/>
-                </a:solidFill>
-                <a:latin typeface="MV Boli" panose="02000500030200090000" pitchFamily="2" charset="0"/>
-                <a:cs typeface="MV Boli" panose="02000500030200090000" pitchFamily="2" charset="0"/>
-              </a:rPr>
-              <a:t>Grupo de Jovens</a:t>
-            </a:r>
-          </a:p>
-        </p:txBody>
-      </p:sp>
-      <p:sp>
-        <p:nvSpPr>
-          <p:cNvPr id="28" name="Retângulo 27">
-            <a:extLst>
-              <a:ext uri="{FF2B5EF4-FFF2-40B4-BE49-F238E27FC236}">
-                <a16:creationId xmlns:a16="http://schemas.microsoft.com/office/drawing/2014/main" id="{677F032D-01E5-4BEB-AE00-5E27FDBA78A2}"/>
-              </a:ext>
-            </a:extLst>
-          </p:cNvPr>
-          <p:cNvSpPr/>
-          <p:nvPr/>
-        </p:nvSpPr>
-        <p:spPr>
-          <a:xfrm>
-            <a:off x="10059797" y="2126231"/>
+            <a:off x="9922174" y="448075"/>
             <a:ext cx="1788011" cy="389150"/>
           </a:xfrm>
           <a:prstGeom prst="rect">
@@ -6018,7 +5463,434 @@
                 <a:latin typeface="MV Boli" panose="02000500030200090000" pitchFamily="2" charset="0"/>
                 <a:cs typeface="MV Boli" panose="02000500030200090000" pitchFamily="2" charset="0"/>
               </a:rPr>
-              <a:t>Estabelecimentos</a:t>
+              <a:t>Redes de Fast-Food</a:t>
+            </a:r>
+          </a:p>
+        </p:txBody>
+      </p:sp>
+      <p:sp>
+        <p:nvSpPr>
+          <p:cNvPr id="30" name="Retângulo 29">
+            <a:extLst>
+              <a:ext uri="{FF2B5EF4-FFF2-40B4-BE49-F238E27FC236}">
+                <a16:creationId xmlns:a16="http://schemas.microsoft.com/office/drawing/2014/main" id="{79B8B8D6-7E2A-4042-BE33-298C66B585B1}"/>
+              </a:ext>
+            </a:extLst>
+          </p:cNvPr>
+          <p:cNvSpPr/>
+          <p:nvPr/>
+        </p:nvSpPr>
+        <p:spPr>
+          <a:xfrm>
+            <a:off x="2586849" y="1193447"/>
+            <a:ext cx="1276417" cy="526721"/>
+          </a:xfrm>
+          <a:prstGeom prst="rect">
+            <a:avLst/>
+          </a:prstGeom>
+          <a:solidFill>
+            <a:srgbClr val="FF99CC"/>
+          </a:solidFill>
+          <a:ln>
+            <a:noFill/>
+          </a:ln>
+          <a:effectLst>
+            <a:outerShdw blurRad="25400" dist="38100" dir="5400000" algn="t" rotWithShape="0">
+              <a:schemeClr val="bg1">
+                <a:lumMod val="85000"/>
+                <a:alpha val="40000"/>
+              </a:schemeClr>
+            </a:outerShdw>
+          </a:effectLst>
+        </p:spPr>
+        <p:style>
+          <a:lnRef idx="2">
+            <a:schemeClr val="accent1">
+              <a:shade val="50000"/>
+            </a:schemeClr>
+          </a:lnRef>
+          <a:fillRef idx="1">
+            <a:schemeClr val="accent1"/>
+          </a:fillRef>
+          <a:effectRef idx="0">
+            <a:schemeClr val="accent1"/>
+          </a:effectRef>
+          <a:fontRef idx="minor">
+            <a:schemeClr val="lt1"/>
+          </a:fontRef>
+        </p:style>
+        <p:txBody>
+          <a:bodyPr rtlCol="0" anchor="ctr"/>
+          <a:lstStyle/>
+          <a:p>
+            <a:pPr algn="ctr"/>
+            <a:r>
+              <a:rPr lang="pt-BR" sz="1200" dirty="0">
+                <a:solidFill>
+                  <a:schemeClr val="tx1"/>
+                </a:solidFill>
+                <a:latin typeface="MV Boli" panose="02000500030200090000" pitchFamily="2" charset="0"/>
+                <a:cs typeface="MV Boli" panose="02000500030200090000" pitchFamily="2" charset="0"/>
+              </a:rPr>
+              <a:t>Monitorar</a:t>
+            </a:r>
+          </a:p>
+          <a:p>
+            <a:pPr algn="ctr"/>
+            <a:r>
+              <a:rPr lang="pt-BR" sz="1200" dirty="0">
+                <a:solidFill>
+                  <a:schemeClr val="tx1"/>
+                </a:solidFill>
+                <a:latin typeface="MV Boli" panose="02000500030200090000" pitchFamily="2" charset="0"/>
+                <a:cs typeface="MV Boli" panose="02000500030200090000" pitchFamily="2" charset="0"/>
+              </a:rPr>
+              <a:t>Tablets</a:t>
+            </a:r>
+          </a:p>
+        </p:txBody>
+      </p:sp>
+      <p:sp>
+        <p:nvSpPr>
+          <p:cNvPr id="31" name="Retângulo 30">
+            <a:extLst>
+              <a:ext uri="{FF2B5EF4-FFF2-40B4-BE49-F238E27FC236}">
+                <a16:creationId xmlns:a16="http://schemas.microsoft.com/office/drawing/2014/main" id="{60E8242C-0F5B-484D-BF69-B5D9156D5462}"/>
+              </a:ext>
+            </a:extLst>
+          </p:cNvPr>
+          <p:cNvSpPr/>
+          <p:nvPr/>
+        </p:nvSpPr>
+        <p:spPr>
+          <a:xfrm>
+            <a:off x="4999573" y="331196"/>
+            <a:ext cx="1472912" cy="717573"/>
+          </a:xfrm>
+          <a:prstGeom prst="rect">
+            <a:avLst/>
+          </a:prstGeom>
+          <a:solidFill>
+            <a:srgbClr val="FFC000"/>
+          </a:solidFill>
+          <a:ln>
+            <a:noFill/>
+          </a:ln>
+          <a:effectLst>
+            <a:outerShdw blurRad="25400" dist="38100" dir="5400000" algn="t" rotWithShape="0">
+              <a:schemeClr val="bg1">
+                <a:lumMod val="85000"/>
+                <a:alpha val="40000"/>
+              </a:schemeClr>
+            </a:outerShdw>
+          </a:effectLst>
+        </p:spPr>
+        <p:style>
+          <a:lnRef idx="2">
+            <a:schemeClr val="accent1">
+              <a:shade val="50000"/>
+            </a:schemeClr>
+          </a:lnRef>
+          <a:fillRef idx="1">
+            <a:schemeClr val="accent1"/>
+          </a:fillRef>
+          <a:effectRef idx="0">
+            <a:schemeClr val="accent1"/>
+          </a:effectRef>
+          <a:fontRef idx="minor">
+            <a:schemeClr val="lt1"/>
+          </a:fontRef>
+        </p:style>
+        <p:txBody>
+          <a:bodyPr rtlCol="0" anchor="ctr"/>
+          <a:lstStyle/>
+          <a:p>
+            <a:pPr algn="ctr" defTabSz="1149969"/>
+            <a:r>
+              <a:rPr lang="pt-BR" sz="1200" dirty="0">
+                <a:solidFill>
+                  <a:schemeClr val="tx1"/>
+                </a:solidFill>
+                <a:latin typeface="MV Boli" panose="02000500030200090000" pitchFamily="2" charset="0"/>
+                <a:cs typeface="MV Boli" panose="02000500030200090000" pitchFamily="2" charset="0"/>
+              </a:rPr>
+              <a:t>Melhora a experiência do cliente </a:t>
+            </a:r>
+          </a:p>
+        </p:txBody>
+      </p:sp>
+      <p:sp>
+        <p:nvSpPr>
+          <p:cNvPr id="32" name="Retângulo 31">
+            <a:extLst>
+              <a:ext uri="{FF2B5EF4-FFF2-40B4-BE49-F238E27FC236}">
+                <a16:creationId xmlns:a16="http://schemas.microsoft.com/office/drawing/2014/main" id="{DAD0A104-430E-4D40-A43D-C1FC70A401F0}"/>
+              </a:ext>
+            </a:extLst>
+          </p:cNvPr>
+          <p:cNvSpPr/>
+          <p:nvPr/>
+        </p:nvSpPr>
+        <p:spPr>
+          <a:xfrm>
+            <a:off x="4999573" y="1289508"/>
+            <a:ext cx="1472912" cy="717573"/>
+          </a:xfrm>
+          <a:prstGeom prst="rect">
+            <a:avLst/>
+          </a:prstGeom>
+          <a:solidFill>
+            <a:srgbClr val="FFC000"/>
+          </a:solidFill>
+          <a:ln>
+            <a:noFill/>
+          </a:ln>
+          <a:effectLst>
+            <a:outerShdw blurRad="25400" dist="38100" dir="5400000" algn="t" rotWithShape="0">
+              <a:schemeClr val="bg1">
+                <a:lumMod val="85000"/>
+                <a:alpha val="40000"/>
+              </a:schemeClr>
+            </a:outerShdw>
+          </a:effectLst>
+        </p:spPr>
+        <p:style>
+          <a:lnRef idx="2">
+            <a:schemeClr val="accent1">
+              <a:shade val="50000"/>
+            </a:schemeClr>
+          </a:lnRef>
+          <a:fillRef idx="1">
+            <a:schemeClr val="accent1"/>
+          </a:fillRef>
+          <a:effectRef idx="0">
+            <a:schemeClr val="accent1"/>
+          </a:effectRef>
+          <a:fontRef idx="minor">
+            <a:schemeClr val="lt1"/>
+          </a:fontRef>
+        </p:style>
+        <p:txBody>
+          <a:bodyPr rtlCol="0" anchor="ctr"/>
+          <a:lstStyle/>
+          <a:p>
+            <a:pPr algn="ctr" defTabSz="1149969"/>
+            <a:r>
+              <a:rPr lang="pt-BR" sz="1200" dirty="0">
+                <a:solidFill>
+                  <a:schemeClr val="tx1"/>
+                </a:solidFill>
+                <a:latin typeface="MV Boli" panose="02000500030200090000" pitchFamily="2" charset="0"/>
+                <a:cs typeface="MV Boli" panose="02000500030200090000" pitchFamily="2" charset="0"/>
+              </a:rPr>
+              <a:t>Agiliza as vendas</a:t>
+            </a:r>
+          </a:p>
+        </p:txBody>
+      </p:sp>
+      <p:sp>
+        <p:nvSpPr>
+          <p:cNvPr id="33" name="Retângulo 32">
+            <a:extLst>
+              <a:ext uri="{FF2B5EF4-FFF2-40B4-BE49-F238E27FC236}">
+                <a16:creationId xmlns:a16="http://schemas.microsoft.com/office/drawing/2014/main" id="{A047ABE1-4FDE-4572-A812-DEC103AC6525}"/>
+              </a:ext>
+            </a:extLst>
+          </p:cNvPr>
+          <p:cNvSpPr/>
+          <p:nvPr/>
+        </p:nvSpPr>
+        <p:spPr>
+          <a:xfrm>
+            <a:off x="4999573" y="3207785"/>
+            <a:ext cx="1472912" cy="717573"/>
+          </a:xfrm>
+          <a:prstGeom prst="rect">
+            <a:avLst/>
+          </a:prstGeom>
+          <a:solidFill>
+            <a:srgbClr val="FFC000"/>
+          </a:solidFill>
+          <a:ln>
+            <a:noFill/>
+          </a:ln>
+          <a:effectLst>
+            <a:outerShdw blurRad="25400" dist="38100" dir="5400000" algn="t" rotWithShape="0">
+              <a:schemeClr val="bg1">
+                <a:lumMod val="85000"/>
+                <a:alpha val="40000"/>
+              </a:schemeClr>
+            </a:outerShdw>
+          </a:effectLst>
+        </p:spPr>
+        <p:style>
+          <a:lnRef idx="2">
+            <a:schemeClr val="accent1">
+              <a:shade val="50000"/>
+            </a:schemeClr>
+          </a:lnRef>
+          <a:fillRef idx="1">
+            <a:schemeClr val="accent1"/>
+          </a:fillRef>
+          <a:effectRef idx="0">
+            <a:schemeClr val="accent1"/>
+          </a:effectRef>
+          <a:fontRef idx="minor">
+            <a:schemeClr val="lt1"/>
+          </a:fontRef>
+        </p:style>
+        <p:txBody>
+          <a:bodyPr rtlCol="0" anchor="ctr"/>
+          <a:lstStyle/>
+          <a:p>
+            <a:pPr algn="ctr" defTabSz="1149969"/>
+            <a:r>
+              <a:rPr lang="pt-BR" sz="1200" dirty="0">
+                <a:solidFill>
+                  <a:schemeClr val="tx1"/>
+                </a:solidFill>
+                <a:latin typeface="MV Boli" panose="02000500030200090000" pitchFamily="2" charset="0"/>
+                <a:cs typeface="MV Boli" panose="02000500030200090000" pitchFamily="2" charset="0"/>
+              </a:rPr>
+              <a:t>Manutenção  rápida e eficiente</a:t>
+            </a:r>
+          </a:p>
+        </p:txBody>
+      </p:sp>
+      <p:sp>
+        <p:nvSpPr>
+          <p:cNvPr id="34" name="Retângulo 33">
+            <a:extLst>
+              <a:ext uri="{FF2B5EF4-FFF2-40B4-BE49-F238E27FC236}">
+                <a16:creationId xmlns:a16="http://schemas.microsoft.com/office/drawing/2014/main" id="{743085D3-050A-4F07-AEDD-81CD15FCB49D}"/>
+              </a:ext>
+            </a:extLst>
+          </p:cNvPr>
+          <p:cNvSpPr/>
+          <p:nvPr/>
+        </p:nvSpPr>
+        <p:spPr>
+          <a:xfrm>
+            <a:off x="9922173" y="1099826"/>
+            <a:ext cx="1788011" cy="389150"/>
+          </a:xfrm>
+          <a:prstGeom prst="rect">
+            <a:avLst/>
+          </a:prstGeom>
+          <a:solidFill>
+            <a:srgbClr val="FFC000"/>
+          </a:solidFill>
+          <a:ln>
+            <a:noFill/>
+          </a:ln>
+          <a:effectLst>
+            <a:outerShdw blurRad="25400" dist="38100" dir="5400000" algn="t" rotWithShape="0">
+              <a:schemeClr val="bg1">
+                <a:lumMod val="85000"/>
+                <a:alpha val="40000"/>
+              </a:schemeClr>
+            </a:outerShdw>
+          </a:effectLst>
+        </p:spPr>
+        <p:style>
+          <a:lnRef idx="2">
+            <a:schemeClr val="accent1">
+              <a:shade val="50000"/>
+            </a:schemeClr>
+          </a:lnRef>
+          <a:fillRef idx="1">
+            <a:schemeClr val="accent1"/>
+          </a:fillRef>
+          <a:effectRef idx="0">
+            <a:schemeClr val="accent1"/>
+          </a:effectRef>
+          <a:fontRef idx="minor">
+            <a:schemeClr val="lt1"/>
+          </a:fontRef>
+        </p:style>
+        <p:txBody>
+          <a:bodyPr rtlCol="0" anchor="ctr"/>
+          <a:lstStyle/>
+          <a:p>
+            <a:pPr algn="ctr" defTabSz="1149969"/>
+            <a:r>
+              <a:rPr lang="pt-BR" sz="1200" dirty="0">
+                <a:solidFill>
+                  <a:schemeClr val="tx1"/>
+                </a:solidFill>
+                <a:latin typeface="MV Boli" panose="02000500030200090000" pitchFamily="2" charset="0"/>
+                <a:cs typeface="MV Boli" panose="02000500030200090000" pitchFamily="2" charset="0"/>
+              </a:rPr>
+              <a:t>Funcionários do Fast-Food</a:t>
+            </a:r>
+          </a:p>
+        </p:txBody>
+      </p:sp>
+      <p:sp>
+        <p:nvSpPr>
+          <p:cNvPr id="35" name="Retângulo 34">
+            <a:extLst>
+              <a:ext uri="{FF2B5EF4-FFF2-40B4-BE49-F238E27FC236}">
+                <a16:creationId xmlns:a16="http://schemas.microsoft.com/office/drawing/2014/main" id="{E1ECACAD-22F5-4958-9C9E-C19ABABAC394}"/>
+              </a:ext>
+            </a:extLst>
+          </p:cNvPr>
+          <p:cNvSpPr/>
+          <p:nvPr/>
+        </p:nvSpPr>
+        <p:spPr>
+          <a:xfrm>
+            <a:off x="9922173" y="1812506"/>
+            <a:ext cx="1788011" cy="389150"/>
+          </a:xfrm>
+          <a:prstGeom prst="rect">
+            <a:avLst/>
+          </a:prstGeom>
+          <a:solidFill>
+            <a:srgbClr val="FFC000"/>
+          </a:solidFill>
+          <a:ln>
+            <a:noFill/>
+          </a:ln>
+          <a:effectLst>
+            <a:outerShdw blurRad="25400" dist="38100" dir="5400000" algn="t" rotWithShape="0">
+              <a:schemeClr val="bg1">
+                <a:lumMod val="85000"/>
+                <a:alpha val="40000"/>
+              </a:schemeClr>
+            </a:outerShdw>
+          </a:effectLst>
+        </p:spPr>
+        <p:style>
+          <a:lnRef idx="2">
+            <a:schemeClr val="accent1">
+              <a:shade val="50000"/>
+            </a:schemeClr>
+          </a:lnRef>
+          <a:fillRef idx="1">
+            <a:schemeClr val="accent1"/>
+          </a:fillRef>
+          <a:effectRef idx="0">
+            <a:schemeClr val="accent1"/>
+          </a:effectRef>
+          <a:fontRef idx="minor">
+            <a:schemeClr val="lt1"/>
+          </a:fontRef>
+        </p:style>
+        <p:txBody>
+          <a:bodyPr rtlCol="0" anchor="ctr"/>
+          <a:lstStyle/>
+          <a:p>
+            <a:pPr algn="ctr" defTabSz="1149969"/>
+            <a:r>
+              <a:rPr lang="pt-BR" sz="1200" dirty="0">
+                <a:solidFill>
+                  <a:schemeClr val="tx1"/>
+                </a:solidFill>
+                <a:latin typeface="MV Boli" panose="02000500030200090000" pitchFamily="2" charset="0"/>
+                <a:cs typeface="MV Boli" panose="02000500030200090000" pitchFamily="2" charset="0"/>
+              </a:rPr>
+              <a:t>Donos de franquias de Fast-Food</a:t>
             </a:r>
           </a:p>
         </p:txBody>
